--- a/PraesentationDeepAndConvolutionalNN 17.48.01.pptx
+++ b/PraesentationDeepAndConvolutionalNN 17.48.01.pptx
@@ -5259,7 +5259,7 @@
         </p:nvGrpSpPr>
         <p:grpSpPr>
           <a:xfrm>
-            <a:off x="5048177" y="212305"/>
+            <a:off x="5073577" y="288505"/>
             <a:ext cx="3889844" cy="4308295"/>
             <a:chOff x="0" y="0"/>
             <a:chExt cx="3889843" cy="4308293"/>
@@ -5573,6 +5573,9 @@
           <a:lstStyle/>
           <a:p>
             <a:pPr marL="180473" indent="-180473">
+              <a:spcBef>
+                <a:spcPts val="3200"/>
+              </a:spcBef>
               <a:buSzPct val="100000"/>
               <a:buChar char="•"/>
               <a:defRPr b="0" sz="1800">
@@ -5587,24 +5590,8 @@
               </a:defRPr>
             </a:pPr>
             <a:r>
-              <a:t>Viele Hidden Layers bei                                                                                             deep learning</a:t>
+              <a:t>Viele Hidden Layers bei                                                                                             Deep Learning</a:t>
             </a:r>
-          </a:p>
-          <a:p>
-            <a:pPr marL="180473" indent="-180473">
-              <a:buSzPct val="100000"/>
-              <a:buChar char="•"/>
-              <a:defRPr b="0" sz="1800">
-                <a:solidFill>
-                  <a:srgbClr val="000000"/>
-                </a:solidFill>
-                <a:uFill>
-                  <a:solidFill>
-                    <a:schemeClr val="accent1"/>
-                  </a:solidFill>
-                </a:uFill>
-              </a:defRPr>
-            </a:pPr>
           </a:p>
           <a:p>
             <a:pPr marL="180473" indent="-180473">
@@ -5612,7 +5599,7 @@
                 <a:spcPct val="130000"/>
               </a:lnSpc>
               <a:spcBef>
-                <a:spcPts val="500"/>
+                <a:spcPts val="3200"/>
               </a:spcBef>
               <a:buSzPct val="100000"/>
               <a:buChar char="•"/>
@@ -5921,27 +5908,14 @@
               </m:oMath>
             </a14:m>
             <a:r>
-              <a:t>                                                                                                                                                          als Aktivierungsfunktion bei                                                                                        Klassifizierungsproblemen</a:t>
+              <a:t>                                                                                                                                                          als Aktivierungsfunktion der Output-                                                                                   Layer bei Klassifizierungsproblemen</a:t>
             </a:r>
           </a:p>
           <a:p>
             <a:pPr marL="180473" indent="-180473">
-              <a:buSzPct val="100000"/>
-              <a:buChar char="•"/>
-              <a:defRPr b="0" sz="1800">
-                <a:solidFill>
-                  <a:srgbClr val="000000"/>
-                </a:solidFill>
-                <a:uFill>
-                  <a:solidFill>
-                    <a:schemeClr val="accent1"/>
-                  </a:solidFill>
-                </a:uFill>
-              </a:defRPr>
-            </a:pPr>
-          </a:p>
-          <a:p>
-            <a:pPr marL="180473" indent="-180473">
+              <a:spcBef>
+                <a:spcPts val="3200"/>
+              </a:spcBef>
               <a:buSzPct val="100000"/>
               <a:buChar char="•"/>
               <a:defRPr b="0" sz="1800">
@@ -6797,7 +6771,7 @@
         </p:nvGrpSpPr>
         <p:grpSpPr>
           <a:xfrm>
-            <a:off x="3969500" y="831832"/>
+            <a:off x="4172700" y="374632"/>
             <a:ext cx="4928116" cy="3426806"/>
             <a:chOff x="0" y="0"/>
             <a:chExt cx="4928115" cy="3426804"/>
@@ -6870,15 +6844,38 @@
             <a:bodyPr wrap="square" lIns="50800" tIns="50800" rIns="50800" bIns="50800" numCol="1" anchor="t">
               <a:noAutofit/>
             </a:bodyPr>
-            <a:lstStyle>
-              <a:lvl1pPr>
+            <a:lstStyle/>
+            <a:p>
+              <a:pPr>
                 <a:defRPr sz="1600"/>
-              </a:lvl1pPr>
-            </a:lstStyle>
+              </a:pPr>
+              <a:r>
+                <a:t>   </a:t>
+              </a:r>
+              <a:r>
+                <a:rPr u="sng">
+                  <a:solidFill>
+                    <a:srgbClr val="0000FF"/>
+                  </a:solidFill>
+                  <a:uFill>
+                    <a:solidFill>
+                      <a:srgbClr val="0000FF"/>
+                    </a:solidFill>
+                  </a:uFill>
+                  <a:hlinkClick r:id="rId3" invalidUrl="" action="" tgtFrame="" tooltip="" history="1" highlightClick="0" endSnd="0"/>
+                </a:rPr>
+                <a:t>https://commons.wikimedia.org/wiki/</a:t>
+              </a:r>
+              <a:r>
+                <a:t>.      </a:t>
+              </a:r>
+            </a:p>
             <a:p>
-              <a:pPr/>
+              <a:pPr>
+                <a:defRPr sz="1600"/>
+              </a:pPr>
               <a:r>
-                <a:t>https://commons.wikimedia.org/wiki/File:Example_of_a_deep_neural_network.png</a:t>
+                <a:t>   File:Example_of_a_deep_neural_network.png</a:t>
               </a:r>
             </a:p>
           </p:txBody>
@@ -6912,7 +6909,7 @@
       </p:grpSpPr>
       <p:sp>
         <p:nvSpPr>
-          <p:cNvPr id="177" name="Backpropagation"/>
+          <p:cNvPr id="177" name="Training bei Deep Learning"/>
           <p:cNvSpPr txBox="1"/>
           <p:nvPr>
             <p:ph type="title"/>
@@ -6929,14 +6926,14 @@
           <a:p>
             <a:pPr/>
             <a:r>
-              <a:t>Backpropagation</a:t>
+              <a:t>Training bei Deep Learning</a:t>
             </a:r>
           </a:p>
         </p:txBody>
       </p:sp>
       <p:sp>
         <p:nvSpPr>
-          <p:cNvPr id="178" name="Kreuz"/>
+          <p:cNvPr id="178" name="Kreuzentropie Kostenfunktion:  , mit   und…"/>
           <p:cNvSpPr txBox="1"/>
           <p:nvPr>
             <p:ph type="body" idx="1"/>
@@ -6944,8 +6941,8 @@
         </p:nvSpPr>
         <p:spPr>
           <a:xfrm>
-            <a:off x="323850" y="939800"/>
-            <a:ext cx="6335713" cy="4103986"/>
+            <a:off x="323849" y="939799"/>
+            <a:ext cx="8338511" cy="4103987"/>
           </a:xfrm>
           <a:prstGeom prst="rect">
             <a:avLst/>
@@ -6953,8 +6950,15 @@
         </p:spPr>
         <p:txBody>
           <a:bodyPr/>
-          <a:lstStyle>
-            <a:lvl1pPr marL="180473" indent="-180473">
+          <a:lstStyle/>
+          <a:p>
+            <a:pPr marL="180473" indent="-180473">
+              <a:lnSpc>
+                <a:spcPct val="130000"/>
+              </a:lnSpc>
+              <a:spcBef>
+                <a:spcPts val="300"/>
+              </a:spcBef>
               <a:buSzPct val="100000"/>
               <a:buChar char="•"/>
               <a:defRPr b="0" sz="1800">
@@ -6962,12 +6966,1117 @@
                   <a:srgbClr val="000000"/>
                 </a:solidFill>
               </a:defRPr>
+            </a:pPr>
+            <a:r>
+              <a:t>Kreuzentropie Kostenfunktion: </a:t>
+            </a:r>
+            <a14:m>
+              <m:oMath>
+                <m:r>
+                  <a:rPr xmlns:a="http://schemas.openxmlformats.org/drawingml/2006/main" sz="2150" i="1">
+                    <a:solidFill>
+                      <a:srgbClr val="000000"/>
+                    </a:solidFill>
+                    <a:latin typeface="Cambria Math" panose="02040503050406030204" pitchFamily="18" charset="0"/>
+                  </a:rPr>
+                  <m:t>C</m:t>
+                </m:r>
+                <m:r>
+                  <a:rPr xmlns:a="http://schemas.openxmlformats.org/drawingml/2006/main" sz="2150" i="1">
+                    <a:solidFill>
+                      <a:srgbClr val="000000"/>
+                    </a:solidFill>
+                    <a:latin typeface="Cambria Math" panose="02040503050406030204" pitchFamily="18" charset="0"/>
+                  </a:rPr>
+                  <m:t>(</m:t>
+                </m:r>
+                <m:r>
+                  <m:rPr>
+                    <m:sty m:val="b"/>
+                  </m:rPr>
+                  <a:rPr xmlns:a="http://schemas.openxmlformats.org/drawingml/2006/main" sz="2150" i="1">
+                    <a:solidFill>
+                      <a:srgbClr val="000000"/>
+                    </a:solidFill>
+                    <a:latin typeface="Cambria Math" panose="02040503050406030204" pitchFamily="18" charset="0"/>
+                  </a:rPr>
+                  <m:t>w</m:t>
+                </m:r>
+                <m:r>
+                  <a:rPr xmlns:a="http://schemas.openxmlformats.org/drawingml/2006/main" sz="2150" i="1">
+                    <a:solidFill>
+                      <a:srgbClr val="000000"/>
+                    </a:solidFill>
+                    <a:latin typeface="Cambria Math" panose="02040503050406030204" pitchFamily="18" charset="0"/>
+                  </a:rPr>
+                  <m:t>)</m:t>
+                </m:r>
+                <m:r>
+                  <a:rPr xmlns:a="http://schemas.openxmlformats.org/drawingml/2006/main" sz="2150" i="1">
+                    <a:solidFill>
+                      <a:srgbClr val="000000"/>
+                    </a:solidFill>
+                    <a:latin typeface="Cambria Math" panose="02040503050406030204" pitchFamily="18" charset="0"/>
+                  </a:rPr>
+                  <m:t>=</m:t>
+                </m:r>
+                <m:r>
+                  <a:rPr xmlns:a="http://schemas.openxmlformats.org/drawingml/2006/main" sz="2150" i="1">
+                    <a:solidFill>
+                      <a:srgbClr val="000000"/>
+                    </a:solidFill>
+                    <a:latin typeface="Cambria Math" panose="02040503050406030204" pitchFamily="18" charset="0"/>
+                  </a:rPr>
+                  <m:t>-</m:t>
+                </m:r>
+                <m:limLow>
+                  <m:e>
+                    <m:r>
+                      <a:rPr xmlns:a="http://schemas.openxmlformats.org/drawingml/2006/main" sz="2150" i="1">
+                        <a:solidFill>
+                          <a:srgbClr val="000000"/>
+                        </a:solidFill>
+                        <a:latin typeface="Cambria Math" panose="02040503050406030204" pitchFamily="18" charset="0"/>
+                      </a:rPr>
+                      <m:t>∑</m:t>
+                    </m:r>
+                  </m:e>
+                  <m:lim>
+                    <m:r>
+                      <a:rPr xmlns:a="http://schemas.openxmlformats.org/drawingml/2006/main" sz="2150" i="1">
+                        <a:solidFill>
+                          <a:srgbClr val="000000"/>
+                        </a:solidFill>
+                        <a:latin typeface="Cambria Math" panose="02040503050406030204" pitchFamily="18" charset="0"/>
+                      </a:rPr>
+                      <m:t>i</m:t>
+                    </m:r>
+                  </m:lim>
+                </m:limLow>
+                <m:sSub>
+                  <m:e>
+                    <m:r>
+                      <a:rPr xmlns:a="http://schemas.openxmlformats.org/drawingml/2006/main" sz="2150" i="1">
+                        <a:solidFill>
+                          <a:srgbClr val="000000"/>
+                        </a:solidFill>
+                        <a:latin typeface="Cambria Math" panose="02040503050406030204" pitchFamily="18" charset="0"/>
+                      </a:rPr>
+                      <m:t>y</m:t>
+                    </m:r>
+                  </m:e>
+                  <m:sub>
+                    <m:r>
+                      <a:rPr xmlns:a="http://schemas.openxmlformats.org/drawingml/2006/main" sz="2150" i="1">
+                        <a:solidFill>
+                          <a:srgbClr val="000000"/>
+                        </a:solidFill>
+                        <a:latin typeface="Cambria Math" panose="02040503050406030204" pitchFamily="18" charset="0"/>
+                      </a:rPr>
+                      <m:t>i</m:t>
+                    </m:r>
+                  </m:sub>
+                </m:sSub>
+                <m:r>
+                  <m:rPr>
+                    <m:sty m:val="p"/>
+                  </m:rPr>
+                  <a:rPr xmlns:a="http://schemas.openxmlformats.org/drawingml/2006/main" sz="2150" i="1">
+                    <a:solidFill>
+                      <a:srgbClr val="000000"/>
+                    </a:solidFill>
+                    <a:latin typeface="Cambria Math" panose="02040503050406030204" pitchFamily="18" charset="0"/>
+                  </a:rPr>
+                  <m:t>log</m:t>
+                </m:r>
+                <m:d>
+                  <m:dPr>
+                    <m:ctrlPr>
+                      <a:rPr xmlns:a="http://schemas.openxmlformats.org/drawingml/2006/main" sz="2150" i="1">
+                        <a:solidFill>
+                          <a:srgbClr val="000000"/>
+                        </a:solidFill>
+                        <a:latin typeface="Cambria Math" panose="02040503050406030204" pitchFamily="18" charset="0"/>
+                      </a:rPr>
+                    </m:ctrlPr>
+                  </m:dPr>
+                  <m:e>
+                    <m:sSub>
+                      <m:e>
+                        <m:limUpp>
+                          <m:e>
+                            <m:r>
+                              <a:rPr xmlns:a="http://schemas.openxmlformats.org/drawingml/2006/main" sz="2150" i="1">
+                                <a:solidFill>
+                                  <a:srgbClr val="000000"/>
+                                </a:solidFill>
+                                <a:latin typeface="Cambria Math" panose="02040503050406030204" pitchFamily="18" charset="0"/>
+                              </a:rPr>
+                              <m:t>y</m:t>
+                            </m:r>
+                          </m:e>
+                          <m:lim>
+                            <m:r>
+                              <a:rPr xmlns:a="http://schemas.openxmlformats.org/drawingml/2006/main" sz="2150" i="1">
+                                <a:solidFill>
+                                  <a:srgbClr val="000000"/>
+                                </a:solidFill>
+                                <a:latin typeface="Cambria Math" panose="02040503050406030204" pitchFamily="18" charset="0"/>
+                              </a:rPr>
+                              <m:t>̂</m:t>
+                            </m:r>
+                          </m:lim>
+                        </m:limUpp>
+                      </m:e>
+                      <m:sub>
+                        <m:r>
+                          <a:rPr xmlns:a="http://schemas.openxmlformats.org/drawingml/2006/main" sz="2150" i="1">
+                            <a:solidFill>
+                              <a:srgbClr val="000000"/>
+                            </a:solidFill>
+                            <a:latin typeface="Cambria Math" panose="02040503050406030204" pitchFamily="18" charset="0"/>
+                          </a:rPr>
+                          <m:t>i</m:t>
+                        </m:r>
+                      </m:sub>
+                    </m:sSub>
+                    <m:r>
+                      <a:rPr xmlns:a="http://schemas.openxmlformats.org/drawingml/2006/main" sz="2150" i="1">
+                        <a:solidFill>
+                          <a:srgbClr val="000000"/>
+                        </a:solidFill>
+                        <a:latin typeface="Cambria Math" panose="02040503050406030204" pitchFamily="18" charset="0"/>
+                      </a:rPr>
+                      <m:t>(</m:t>
+                    </m:r>
+                    <m:r>
+                      <m:rPr>
+                        <m:sty m:val="b"/>
+                      </m:rPr>
+                      <a:rPr xmlns:a="http://schemas.openxmlformats.org/drawingml/2006/main" sz="2150" i="1">
+                        <a:solidFill>
+                          <a:srgbClr val="000000"/>
+                        </a:solidFill>
+                        <a:latin typeface="Cambria Math" panose="02040503050406030204" pitchFamily="18" charset="0"/>
+                      </a:rPr>
+                      <m:t>w</m:t>
+                    </m:r>
+                    <m:r>
+                      <a:rPr xmlns:a="http://schemas.openxmlformats.org/drawingml/2006/main" sz="2150" i="1">
+                        <a:solidFill>
+                          <a:srgbClr val="000000"/>
+                        </a:solidFill>
+                        <a:latin typeface="Cambria Math" panose="02040503050406030204" pitchFamily="18" charset="0"/>
+                      </a:rPr>
+                      <m:t>)</m:t>
+                    </m:r>
+                  </m:e>
+                </m:d>
+                <m:r>
+                  <a:rPr xmlns:a="http://schemas.openxmlformats.org/drawingml/2006/main" sz="2150" i="1">
+                    <a:solidFill>
+                      <a:srgbClr val="000000"/>
+                    </a:solidFill>
+                    <a:latin typeface="Cambria Math" panose="02040503050406030204" pitchFamily="18" charset="0"/>
+                  </a:rPr>
+                  <m:t>+</m:t>
+                </m:r>
+                <m:r>
+                  <a:rPr xmlns:a="http://schemas.openxmlformats.org/drawingml/2006/main" sz="2150" i="1">
+                    <a:solidFill>
+                      <a:srgbClr val="000000"/>
+                    </a:solidFill>
+                    <a:latin typeface="Cambria Math" panose="02040503050406030204" pitchFamily="18" charset="0"/>
+                  </a:rPr>
+                  <m:t>(</m:t>
+                </m:r>
+                <m:r>
+                  <a:rPr xmlns:a="http://schemas.openxmlformats.org/drawingml/2006/main" sz="2150" i="1">
+                    <a:solidFill>
+                      <a:srgbClr val="000000"/>
+                    </a:solidFill>
+                    <a:latin typeface="Cambria Math" panose="02040503050406030204" pitchFamily="18" charset="0"/>
+                  </a:rPr>
+                  <m:t>1</m:t>
+                </m:r>
+                <m:r>
+                  <a:rPr xmlns:a="http://schemas.openxmlformats.org/drawingml/2006/main" sz="2150" i="1">
+                    <a:solidFill>
+                      <a:srgbClr val="000000"/>
+                    </a:solidFill>
+                    <a:latin typeface="Cambria Math" panose="02040503050406030204" pitchFamily="18" charset="0"/>
+                  </a:rPr>
+                  <m:t>-</m:t>
+                </m:r>
+                <m:sSub>
+                  <m:e>
+                    <m:r>
+                      <a:rPr xmlns:a="http://schemas.openxmlformats.org/drawingml/2006/main" sz="2150" i="1">
+                        <a:solidFill>
+                          <a:srgbClr val="000000"/>
+                        </a:solidFill>
+                        <a:latin typeface="Cambria Math" panose="02040503050406030204" pitchFamily="18" charset="0"/>
+                      </a:rPr>
+                      <m:t>y</m:t>
+                    </m:r>
+                  </m:e>
+                  <m:sub>
+                    <m:r>
+                      <a:rPr xmlns:a="http://schemas.openxmlformats.org/drawingml/2006/main" sz="2150" i="1">
+                        <a:solidFill>
+                          <a:srgbClr val="000000"/>
+                        </a:solidFill>
+                        <a:latin typeface="Cambria Math" panose="02040503050406030204" pitchFamily="18" charset="0"/>
+                      </a:rPr>
+                      <m:t>i</m:t>
+                    </m:r>
+                  </m:sub>
+                </m:sSub>
+                <m:r>
+                  <a:rPr xmlns:a="http://schemas.openxmlformats.org/drawingml/2006/main" sz="2150" i="1">
+                    <a:solidFill>
+                      <a:srgbClr val="000000"/>
+                    </a:solidFill>
+                    <a:latin typeface="Cambria Math" panose="02040503050406030204" pitchFamily="18" charset="0"/>
+                  </a:rPr>
+                  <m:t>)</m:t>
+                </m:r>
+                <m:r>
+                  <m:rPr>
+                    <m:sty m:val="p"/>
+                  </m:rPr>
+                  <a:rPr xmlns:a="http://schemas.openxmlformats.org/drawingml/2006/main" sz="2150" i="1">
+                    <a:solidFill>
+                      <a:srgbClr val="000000"/>
+                    </a:solidFill>
+                    <a:latin typeface="Cambria Math" panose="02040503050406030204" pitchFamily="18" charset="0"/>
+                  </a:rPr>
+                  <m:t>log</m:t>
+                </m:r>
+                <m:d>
+                  <m:dPr>
+                    <m:ctrlPr>
+                      <a:rPr xmlns:a="http://schemas.openxmlformats.org/drawingml/2006/main" sz="2150" i="1">
+                        <a:solidFill>
+                          <a:srgbClr val="000000"/>
+                        </a:solidFill>
+                        <a:latin typeface="Cambria Math" panose="02040503050406030204" pitchFamily="18" charset="0"/>
+                      </a:rPr>
+                    </m:ctrlPr>
+                  </m:dPr>
+                  <m:e>
+                    <m:r>
+                      <a:rPr xmlns:a="http://schemas.openxmlformats.org/drawingml/2006/main" sz="2150" i="1">
+                        <a:solidFill>
+                          <a:srgbClr val="000000"/>
+                        </a:solidFill>
+                        <a:latin typeface="Cambria Math" panose="02040503050406030204" pitchFamily="18" charset="0"/>
+                      </a:rPr>
+                      <m:t>1</m:t>
+                    </m:r>
+                    <m:r>
+                      <a:rPr xmlns:a="http://schemas.openxmlformats.org/drawingml/2006/main" sz="2150" i="1">
+                        <a:solidFill>
+                          <a:srgbClr val="000000"/>
+                        </a:solidFill>
+                        <a:latin typeface="Cambria Math" panose="02040503050406030204" pitchFamily="18" charset="0"/>
+                      </a:rPr>
+                      <m:t>-</m:t>
+                    </m:r>
+                    <m:sSub>
+                      <m:e>
+                        <m:limUpp>
+                          <m:e>
+                            <m:r>
+                              <a:rPr xmlns:a="http://schemas.openxmlformats.org/drawingml/2006/main" sz="2150" i="1">
+                                <a:solidFill>
+                                  <a:srgbClr val="000000"/>
+                                </a:solidFill>
+                                <a:latin typeface="Cambria Math" panose="02040503050406030204" pitchFamily="18" charset="0"/>
+                              </a:rPr>
+                              <m:t>y</m:t>
+                            </m:r>
+                          </m:e>
+                          <m:lim>
+                            <m:r>
+                              <a:rPr xmlns:a="http://schemas.openxmlformats.org/drawingml/2006/main" sz="2150" i="1">
+                                <a:solidFill>
+                                  <a:srgbClr val="000000"/>
+                                </a:solidFill>
+                                <a:latin typeface="Cambria Math" panose="02040503050406030204" pitchFamily="18" charset="0"/>
+                              </a:rPr>
+                              <m:t>̂</m:t>
+                            </m:r>
+                          </m:lim>
+                        </m:limUpp>
+                      </m:e>
+                      <m:sub>
+                        <m:r>
+                          <a:rPr xmlns:a="http://schemas.openxmlformats.org/drawingml/2006/main" sz="2150" i="1">
+                            <a:solidFill>
+                              <a:srgbClr val="000000"/>
+                            </a:solidFill>
+                            <a:latin typeface="Cambria Math" panose="02040503050406030204" pitchFamily="18" charset="0"/>
+                          </a:rPr>
+                          <m:t>i</m:t>
+                        </m:r>
+                      </m:sub>
+                    </m:sSub>
+                    <m:r>
+                      <a:rPr xmlns:a="http://schemas.openxmlformats.org/drawingml/2006/main" sz="2150" i="1">
+                        <a:solidFill>
+                          <a:srgbClr val="000000"/>
+                        </a:solidFill>
+                        <a:latin typeface="Cambria Math" panose="02040503050406030204" pitchFamily="18" charset="0"/>
+                      </a:rPr>
+                      <m:t>(</m:t>
+                    </m:r>
+                    <m:r>
+                      <m:rPr>
+                        <m:sty m:val="b"/>
+                      </m:rPr>
+                      <a:rPr xmlns:a="http://schemas.openxmlformats.org/drawingml/2006/main" sz="2150" i="1">
+                        <a:solidFill>
+                          <a:srgbClr val="000000"/>
+                        </a:solidFill>
+                        <a:latin typeface="Cambria Math" panose="02040503050406030204" pitchFamily="18" charset="0"/>
+                      </a:rPr>
+                      <m:t>w</m:t>
+                    </m:r>
+                    <m:r>
+                      <a:rPr xmlns:a="http://schemas.openxmlformats.org/drawingml/2006/main" sz="2150" i="1">
+                        <a:solidFill>
+                          <a:srgbClr val="000000"/>
+                        </a:solidFill>
+                        <a:latin typeface="Cambria Math" panose="02040503050406030204" pitchFamily="18" charset="0"/>
+                      </a:rPr>
+                      <m:t>)</m:t>
+                    </m:r>
+                  </m:e>
+                </m:d>
+              </m:oMath>
+            </a14:m>
+            <a:r>
+              <a:t>, mit </a:t>
+            </a:r>
+            <a14:m>
+              <m:oMath>
+                <m:sSub>
+                  <m:e>
+                    <m:r>
+                      <a:rPr xmlns:a="http://schemas.openxmlformats.org/drawingml/2006/main" sz="2200" i="1">
+                        <a:solidFill>
+                          <a:srgbClr val="000000"/>
+                        </a:solidFill>
+                        <a:latin typeface="Cambria Math" panose="02040503050406030204" pitchFamily="18" charset="0"/>
+                      </a:rPr>
+                      <m:t>y</m:t>
+                    </m:r>
+                  </m:e>
+                  <m:sub>
+                    <m:r>
+                      <a:rPr xmlns:a="http://schemas.openxmlformats.org/drawingml/2006/main" sz="2200" i="1">
+                        <a:solidFill>
+                          <a:srgbClr val="000000"/>
+                        </a:solidFill>
+                        <a:latin typeface="Cambria Math" panose="02040503050406030204" pitchFamily="18" charset="0"/>
+                      </a:rPr>
+                      <m:t>i</m:t>
+                    </m:r>
+                  </m:sub>
+                </m:sSub>
+                <m:r>
+                  <a:rPr xmlns:a="http://schemas.openxmlformats.org/drawingml/2006/main" sz="2200" i="1">
+                    <a:solidFill>
+                      <a:srgbClr val="000000"/>
+                    </a:solidFill>
+                    <a:latin typeface="Cambria Math" panose="02040503050406030204" pitchFamily="18" charset="0"/>
+                  </a:rPr>
+                  <m:t>∈</m:t>
+                </m:r>
+                <m:r>
+                  <a:rPr xmlns:a="http://schemas.openxmlformats.org/drawingml/2006/main" sz="2200" i="1">
+                    <a:solidFill>
+                      <a:srgbClr val="000000"/>
+                    </a:solidFill>
+                    <a:latin typeface="Cambria Math" panose="02040503050406030204" pitchFamily="18" charset="0"/>
+                  </a:rPr>
+                  <m:t>{</m:t>
+                </m:r>
+                <m:r>
+                  <a:rPr xmlns:a="http://schemas.openxmlformats.org/drawingml/2006/main" sz="2200" i="1">
+                    <a:solidFill>
+                      <a:srgbClr val="000000"/>
+                    </a:solidFill>
+                    <a:latin typeface="Cambria Math" panose="02040503050406030204" pitchFamily="18" charset="0"/>
+                  </a:rPr>
+                  <m:t>0,1</m:t>
+                </m:r>
+                <m:r>
+                  <a:rPr xmlns:a="http://schemas.openxmlformats.org/drawingml/2006/main" sz="2200" i="1">
+                    <a:solidFill>
+                      <a:srgbClr val="000000"/>
+                    </a:solidFill>
+                    <a:latin typeface="Cambria Math" panose="02040503050406030204" pitchFamily="18" charset="0"/>
+                  </a:rPr>
+                  <m:t>}</m:t>
+                </m:r>
+              </m:oMath>
+            </a14:m>
+            <a:r>
+              <a:t> und </a:t>
+            </a:r>
+            <a14:m>
+              <m:oMath>
+                <m:sSub>
+                  <m:e>
+                    <m:limUpp>
+                      <m:e>
+                        <m:r>
+                          <a:rPr xmlns:a="http://schemas.openxmlformats.org/drawingml/2006/main" sz="2150" i="1">
+                            <a:solidFill>
+                              <a:srgbClr val="000000"/>
+                            </a:solidFill>
+                            <a:latin typeface="Cambria Math" panose="02040503050406030204" pitchFamily="18" charset="0"/>
+                          </a:rPr>
+                          <m:t>y</m:t>
+                        </m:r>
+                      </m:e>
+                      <m:lim>
+                        <m:r>
+                          <a:rPr xmlns:a="http://schemas.openxmlformats.org/drawingml/2006/main" sz="2150" i="1">
+                            <a:solidFill>
+                              <a:srgbClr val="000000"/>
+                            </a:solidFill>
+                            <a:latin typeface="Cambria Math" panose="02040503050406030204" pitchFamily="18" charset="0"/>
+                          </a:rPr>
+                          <m:t>̂</m:t>
+                        </m:r>
+                      </m:lim>
+                    </m:limUpp>
+                  </m:e>
+                  <m:sub>
+                    <m:r>
+                      <a:rPr xmlns:a="http://schemas.openxmlformats.org/drawingml/2006/main" sz="2150" i="1">
+                        <a:solidFill>
+                          <a:srgbClr val="000000"/>
+                        </a:solidFill>
+                        <a:latin typeface="Cambria Math" panose="02040503050406030204" pitchFamily="18" charset="0"/>
+                      </a:rPr>
+                      <m:t>i</m:t>
+                    </m:r>
+                  </m:sub>
+                </m:sSub>
+                <m:r>
+                  <a:rPr xmlns:a="http://schemas.openxmlformats.org/drawingml/2006/main" sz="2150" i="1">
+                    <a:solidFill>
+                      <a:srgbClr val="000000"/>
+                    </a:solidFill>
+                    <a:latin typeface="Cambria Math" panose="02040503050406030204" pitchFamily="18" charset="0"/>
+                  </a:rPr>
+                  <m:t>=</m:t>
+                </m:r>
+                <m:r>
+                  <a:rPr xmlns:a="http://schemas.openxmlformats.org/drawingml/2006/main" sz="2150" i="1">
+                    <a:solidFill>
+                      <a:srgbClr val="000000"/>
+                    </a:solidFill>
+                    <a:latin typeface="Cambria Math" panose="02040503050406030204" pitchFamily="18" charset="0"/>
+                  </a:rPr>
+                  <m:t>y</m:t>
+                </m:r>
+                <m:r>
+                  <a:rPr xmlns:a="http://schemas.openxmlformats.org/drawingml/2006/main" sz="2150" i="1">
+                    <a:solidFill>
+                      <a:srgbClr val="000000"/>
+                    </a:solidFill>
+                    <a:latin typeface="Cambria Math" panose="02040503050406030204" pitchFamily="18" charset="0"/>
+                  </a:rPr>
+                  <m:t>(</m:t>
+                </m:r>
+                <m:sSub>
+                  <m:e>
+                    <m:limUpp>
+                      <m:e>
+                        <m:r>
+                          <a:rPr xmlns:a="http://schemas.openxmlformats.org/drawingml/2006/main" sz="2150" i="1">
+                            <a:solidFill>
+                              <a:srgbClr val="000000"/>
+                            </a:solidFill>
+                            <a:latin typeface="Cambria Math" panose="02040503050406030204" pitchFamily="18" charset="0"/>
+                          </a:rPr>
+                          <m:t>x</m:t>
+                        </m:r>
+                      </m:e>
+                      <m:lim>
+                        <m:r>
+                          <a:rPr xmlns:a="http://schemas.openxmlformats.org/drawingml/2006/main" sz="2150" i="1">
+                            <a:solidFill>
+                              <a:srgbClr val="000000"/>
+                            </a:solidFill>
+                            <a:latin typeface="Cambria Math" panose="02040503050406030204" pitchFamily="18" charset="0"/>
+                          </a:rPr>
+                          <m:t>⃗</m:t>
+                        </m:r>
+                      </m:lim>
+                    </m:limUpp>
+                  </m:e>
+                  <m:sub>
+                    <m:r>
+                      <a:rPr xmlns:a="http://schemas.openxmlformats.org/drawingml/2006/main" sz="2150" i="1">
+                        <a:solidFill>
+                          <a:srgbClr val="000000"/>
+                        </a:solidFill>
+                        <a:latin typeface="Cambria Math" panose="02040503050406030204" pitchFamily="18" charset="0"/>
+                      </a:rPr>
+                      <m:t>i</m:t>
+                    </m:r>
+                  </m:sub>
+                </m:sSub>
+                <m:r>
+                  <a:rPr xmlns:a="http://schemas.openxmlformats.org/drawingml/2006/main" sz="2150" i="1">
+                    <a:solidFill>
+                      <a:srgbClr val="000000"/>
+                    </a:solidFill>
+                    <a:latin typeface="Cambria Math" panose="02040503050406030204" pitchFamily="18" charset="0"/>
+                  </a:rPr>
+                  <m:t>,</m:t>
+                </m:r>
+                <m:r>
+                  <m:rPr>
+                    <m:sty m:val="b"/>
+                  </m:rPr>
+                  <a:rPr xmlns:a="http://schemas.openxmlformats.org/drawingml/2006/main" sz="2150" i="1">
+                    <a:solidFill>
+                      <a:srgbClr val="000000"/>
+                    </a:solidFill>
+                    <a:latin typeface="Cambria Math" panose="02040503050406030204" pitchFamily="18" charset="0"/>
+                  </a:rPr>
+                  <m:t>w</m:t>
+                </m:r>
+                <m:r>
+                  <a:rPr xmlns:a="http://schemas.openxmlformats.org/drawingml/2006/main" sz="2150" i="1">
+                    <a:solidFill>
+                      <a:srgbClr val="000000"/>
+                    </a:solidFill>
+                    <a:latin typeface="Cambria Math" panose="02040503050406030204" pitchFamily="18" charset="0"/>
+                  </a:rPr>
+                  <m:t>)</m:t>
+                </m:r>
+                <m:r>
+                  <a:rPr xmlns:a="http://schemas.openxmlformats.org/drawingml/2006/main" sz="2150" i="1">
+                    <a:solidFill>
+                      <a:srgbClr val="000000"/>
+                    </a:solidFill>
+                    <a:latin typeface="Cambria Math" panose="02040503050406030204" pitchFamily="18" charset="0"/>
+                  </a:rPr>
+                  <m:t>=</m:t>
+                </m:r>
+                <m:r>
+                  <a:rPr xmlns:a="http://schemas.openxmlformats.org/drawingml/2006/main" sz="2150" i="1">
+                    <a:solidFill>
+                      <a:srgbClr val="000000"/>
+                    </a:solidFill>
+                    <a:latin typeface="Cambria Math" panose="02040503050406030204" pitchFamily="18" charset="0"/>
+                  </a:rPr>
+                  <m:t>p</m:t>
+                </m:r>
+                <m:r>
+                  <a:rPr xmlns:a="http://schemas.openxmlformats.org/drawingml/2006/main" sz="2150" i="1">
+                    <a:solidFill>
+                      <a:srgbClr val="000000"/>
+                    </a:solidFill>
+                    <a:latin typeface="Cambria Math" panose="02040503050406030204" pitchFamily="18" charset="0"/>
+                  </a:rPr>
+                  <m:t>(</m:t>
+                </m:r>
+                <m:sSub>
+                  <m:e>
+                    <m:r>
+                      <a:rPr xmlns:a="http://schemas.openxmlformats.org/drawingml/2006/main" sz="2150" i="1">
+                        <a:solidFill>
+                          <a:srgbClr val="000000"/>
+                        </a:solidFill>
+                        <a:latin typeface="Cambria Math" panose="02040503050406030204" pitchFamily="18" charset="0"/>
+                      </a:rPr>
+                      <m:t>y</m:t>
+                    </m:r>
+                  </m:e>
+                  <m:sub>
+                    <m:r>
+                      <a:rPr xmlns:a="http://schemas.openxmlformats.org/drawingml/2006/main" sz="2150" i="1">
+                        <a:solidFill>
+                          <a:srgbClr val="000000"/>
+                        </a:solidFill>
+                        <a:latin typeface="Cambria Math" panose="02040503050406030204" pitchFamily="18" charset="0"/>
+                      </a:rPr>
+                      <m:t>i</m:t>
+                    </m:r>
+                  </m:sub>
+                </m:sSub>
+                <m:r>
+                  <a:rPr xmlns:a="http://schemas.openxmlformats.org/drawingml/2006/main" sz="2150" i="1">
+                    <a:solidFill>
+                      <a:srgbClr val="000000"/>
+                    </a:solidFill>
+                    <a:latin typeface="Cambria Math" panose="02040503050406030204" pitchFamily="18" charset="0"/>
+                  </a:rPr>
+                  <m:t>=</m:t>
+                </m:r>
+                <m:r>
+                  <a:rPr xmlns:a="http://schemas.openxmlformats.org/drawingml/2006/main" sz="2150" i="1">
+                    <a:solidFill>
+                      <a:srgbClr val="000000"/>
+                    </a:solidFill>
+                    <a:latin typeface="Cambria Math" panose="02040503050406030204" pitchFamily="18" charset="0"/>
+                  </a:rPr>
+                  <m:t>1</m:t>
+                </m:r>
+                <m:r>
+                  <a:rPr xmlns:a="http://schemas.openxmlformats.org/drawingml/2006/main" sz="2150" i="1">
+                    <a:solidFill>
+                      <a:srgbClr val="000000"/>
+                    </a:solidFill>
+                    <a:latin typeface="Cambria Math" panose="02040503050406030204" pitchFamily="18" charset="0"/>
+                  </a:rPr>
+                  <m:t>|</m:t>
+                </m:r>
+                <m:sSub>
+                  <m:e>
+                    <m:limUpp>
+                      <m:e>
+                        <m:r>
+                          <a:rPr xmlns:a="http://schemas.openxmlformats.org/drawingml/2006/main" sz="2150" i="1">
+                            <a:solidFill>
+                              <a:srgbClr val="000000"/>
+                            </a:solidFill>
+                            <a:latin typeface="Cambria Math" panose="02040503050406030204" pitchFamily="18" charset="0"/>
+                          </a:rPr>
+                          <m:t>x</m:t>
+                        </m:r>
+                      </m:e>
+                      <m:lim>
+                        <m:r>
+                          <a:rPr xmlns:a="http://schemas.openxmlformats.org/drawingml/2006/main" sz="2150" i="1">
+                            <a:solidFill>
+                              <a:srgbClr val="000000"/>
+                            </a:solidFill>
+                            <a:latin typeface="Cambria Math" panose="02040503050406030204" pitchFamily="18" charset="0"/>
+                          </a:rPr>
+                          <m:t>⃗</m:t>
+                        </m:r>
+                      </m:lim>
+                    </m:limUpp>
+                  </m:e>
+                  <m:sub>
+                    <m:r>
+                      <a:rPr xmlns:a="http://schemas.openxmlformats.org/drawingml/2006/main" sz="2150" i="1">
+                        <a:solidFill>
+                          <a:srgbClr val="000000"/>
+                        </a:solidFill>
+                        <a:latin typeface="Cambria Math" panose="02040503050406030204" pitchFamily="18" charset="0"/>
+                      </a:rPr>
+                      <m:t>i</m:t>
+                    </m:r>
+                  </m:sub>
+                </m:sSub>
+                <m:r>
+                  <a:rPr xmlns:a="http://schemas.openxmlformats.org/drawingml/2006/main" sz="2150" i="1">
+                    <a:solidFill>
+                      <a:srgbClr val="000000"/>
+                    </a:solidFill>
+                    <a:latin typeface="Cambria Math" panose="02040503050406030204" pitchFamily="18" charset="0"/>
+                  </a:rPr>
+                  <m:t>,</m:t>
+                </m:r>
+                <m:r>
+                  <m:rPr>
+                    <m:sty m:val="b"/>
+                  </m:rPr>
+                  <a:rPr xmlns:a="http://schemas.openxmlformats.org/drawingml/2006/main" sz="2150" i="1">
+                    <a:solidFill>
+                      <a:srgbClr val="000000"/>
+                    </a:solidFill>
+                    <a:latin typeface="Cambria Math" panose="02040503050406030204" pitchFamily="18" charset="0"/>
+                  </a:rPr>
+                  <m:t>w</m:t>
+                </m:r>
+                <m:r>
+                  <a:rPr xmlns:a="http://schemas.openxmlformats.org/drawingml/2006/main" sz="2150" i="1">
+                    <a:solidFill>
+                      <a:srgbClr val="000000"/>
+                    </a:solidFill>
+                    <a:latin typeface="Cambria Math" panose="02040503050406030204" pitchFamily="18" charset="0"/>
+                  </a:rPr>
+                  <m:t>)</m:t>
+                </m:r>
+              </m:oMath>
+            </a14:m>
+          </a:p>
+          <a:p>
+            <a:pPr marL="180473" indent="-180473">
+              <a:lnSpc>
+                <a:spcPct val="130000"/>
+              </a:lnSpc>
+              <a:spcBef>
+                <a:spcPts val="300"/>
+              </a:spcBef>
+              <a:buSzPct val="100000"/>
+              <a:buChar char="•"/>
+              <a:defRPr b="0" sz="1800">
+                <a:solidFill>
+                  <a:srgbClr val="000000"/>
+                </a:solidFill>
+              </a:defRPr>
+            </a:pPr>
+            <a:r>
+              <a:t>Gradient Descent: Passe Parameter </a:t>
+            </a:r>
+            <a14:m>
+              <m:oMath>
+                <m:r>
+                  <m:rPr>
+                    <m:sty m:val="b"/>
+                  </m:rPr>
+                  <a:rPr xmlns:a="http://schemas.openxmlformats.org/drawingml/2006/main" sz="2300" i="1">
+                    <a:solidFill>
+                      <a:srgbClr val="000000"/>
+                    </a:solidFill>
+                    <a:latin typeface="Cambria Math" panose="02040503050406030204" pitchFamily="18" charset="0"/>
+                  </a:rPr>
+                  <m:t>w</m:t>
+                </m:r>
+              </m:oMath>
+            </a14:m>
+            <a:r>
+              <a:t> mit Lernrate </a:t>
+            </a:r>
+            <a14:m>
+              <m:oMath>
+                <m:r>
+                  <a:rPr xmlns:a="http://schemas.openxmlformats.org/drawingml/2006/main" sz="2400" i="1">
+                    <a:solidFill>
+                      <a:srgbClr val="000000"/>
+                    </a:solidFill>
+                    <a:latin typeface="Cambria Math" panose="02040503050406030204" pitchFamily="18" charset="0"/>
+                  </a:rPr>
+                  <m:t>η</m:t>
+                </m:r>
+              </m:oMath>
+            </a14:m>
+            <a:r>
+              <a:t> entgegen der Richtung des Gradienten der Kostenfunktion an </a:t>
+            </a:r>
+            <a14:m>
+              <m:oMath>
+                <m:sSup>
+                  <m:e>
+                    <m:r>
+                      <m:rPr>
+                        <m:sty m:val="b"/>
+                      </m:rPr>
+                      <a:rPr xmlns:a="http://schemas.openxmlformats.org/drawingml/2006/main" sz="2150" i="1">
+                        <a:solidFill>
+                          <a:srgbClr val="000000"/>
+                        </a:solidFill>
+                        <a:latin typeface="Cambria Math" panose="02040503050406030204" pitchFamily="18" charset="0"/>
+                      </a:rPr>
+                      <m:t>w</m:t>
+                    </m:r>
+                  </m:e>
+                  <m:sup>
+                    <m:r>
+                      <m:rPr>
+                        <m:sty m:val="p"/>
+                      </m:rPr>
+                      <a:rPr xmlns:a="http://schemas.openxmlformats.org/drawingml/2006/main" sz="2150" i="1">
+                        <a:solidFill>
+                          <a:srgbClr val="000000"/>
+                        </a:solidFill>
+                        <a:latin typeface="Cambria Math" panose="02040503050406030204" pitchFamily="18" charset="0"/>
+                      </a:rPr>
+                      <m:t>neu</m:t>
+                    </m:r>
+                  </m:sup>
+                </m:sSup>
+                <m:r>
+                  <a:rPr xmlns:a="http://schemas.openxmlformats.org/drawingml/2006/main" sz="2150" i="1">
+                    <a:solidFill>
+                      <a:srgbClr val="000000"/>
+                    </a:solidFill>
+                    <a:latin typeface="Cambria Math" panose="02040503050406030204" pitchFamily="18" charset="0"/>
+                  </a:rPr>
+                  <m:t>=</m:t>
+                </m:r>
+                <m:sSup>
+                  <m:e>
+                    <m:r>
+                      <m:rPr>
+                        <m:sty m:val="b"/>
+                      </m:rPr>
+                      <a:rPr xmlns:a="http://schemas.openxmlformats.org/drawingml/2006/main" sz="2150" i="1">
+                        <a:solidFill>
+                          <a:srgbClr val="000000"/>
+                        </a:solidFill>
+                        <a:latin typeface="Cambria Math" panose="02040503050406030204" pitchFamily="18" charset="0"/>
+                      </a:rPr>
+                      <m:t>w</m:t>
+                    </m:r>
+                  </m:e>
+                  <m:sup>
+                    <m:r>
+                      <m:rPr>
+                        <m:sty m:val="p"/>
+                      </m:rPr>
+                      <a:rPr xmlns:a="http://schemas.openxmlformats.org/drawingml/2006/main" sz="2150" i="1">
+                        <a:solidFill>
+                          <a:srgbClr val="000000"/>
+                        </a:solidFill>
+                        <a:latin typeface="Cambria Math" panose="02040503050406030204" pitchFamily="18" charset="0"/>
+                      </a:rPr>
+                      <m:t>alt</m:t>
+                    </m:r>
+                  </m:sup>
+                </m:sSup>
+                <m:r>
+                  <a:rPr xmlns:a="http://schemas.openxmlformats.org/drawingml/2006/main" sz="2150" i="1">
+                    <a:solidFill>
+                      <a:srgbClr val="000000"/>
+                    </a:solidFill>
+                    <a:latin typeface="Cambria Math" panose="02040503050406030204" pitchFamily="18" charset="0"/>
+                  </a:rPr>
+                  <m:t>-</m:t>
+                </m:r>
+                <m:r>
+                  <a:rPr xmlns:a="http://schemas.openxmlformats.org/drawingml/2006/main" sz="2150" i="1">
+                    <a:solidFill>
+                      <a:srgbClr val="000000"/>
+                    </a:solidFill>
+                    <a:latin typeface="Cambria Math" panose="02040503050406030204" pitchFamily="18" charset="0"/>
+                  </a:rPr>
+                  <m:t>η</m:t>
+                </m:r>
+                <m:sSub>
+                  <m:e>
+                    <m:r>
+                      <a:rPr xmlns:a="http://schemas.openxmlformats.org/drawingml/2006/main" sz="2150" i="1">
+                        <a:solidFill>
+                          <a:srgbClr val="000000"/>
+                        </a:solidFill>
+                        <a:latin typeface="Cambria Math" panose="02040503050406030204" pitchFamily="18" charset="0"/>
+                      </a:rPr>
+                      <m:t>∇</m:t>
+                    </m:r>
+                  </m:e>
+                  <m:sub>
+                    <m:r>
+                      <m:rPr>
+                        <m:sty m:val="b"/>
+                      </m:rPr>
+                      <a:rPr xmlns:a="http://schemas.openxmlformats.org/drawingml/2006/main" sz="2150" i="1">
+                        <a:solidFill>
+                          <a:srgbClr val="000000"/>
+                        </a:solidFill>
+                        <a:latin typeface="Cambria Math" panose="02040503050406030204" pitchFamily="18" charset="0"/>
+                      </a:rPr>
+                      <m:t>w</m:t>
+                    </m:r>
+                  </m:sub>
+                </m:sSub>
+                <m:r>
+                  <a:rPr xmlns:a="http://schemas.openxmlformats.org/drawingml/2006/main" sz="2150" i="1">
+                    <a:solidFill>
+                      <a:srgbClr val="000000"/>
+                    </a:solidFill>
+                    <a:latin typeface="Cambria Math" panose="02040503050406030204" pitchFamily="18" charset="0"/>
+                  </a:rPr>
+                  <m:t>C</m:t>
+                </m:r>
+                <m:r>
+                  <a:rPr xmlns:a="http://schemas.openxmlformats.org/drawingml/2006/main" sz="2150" i="1">
+                    <a:solidFill>
+                      <a:srgbClr val="000000"/>
+                    </a:solidFill>
+                    <a:latin typeface="Cambria Math" panose="02040503050406030204" pitchFamily="18" charset="0"/>
+                  </a:rPr>
+                  <m:t>(</m:t>
+                </m:r>
+                <m:r>
+                  <m:rPr>
+                    <m:sty m:val="b"/>
+                  </m:rPr>
+                  <a:rPr xmlns:a="http://schemas.openxmlformats.org/drawingml/2006/main" sz="2150" i="1">
+                    <a:solidFill>
+                      <a:srgbClr val="000000"/>
+                    </a:solidFill>
+                    <a:latin typeface="Cambria Math" panose="02040503050406030204" pitchFamily="18" charset="0"/>
+                  </a:rPr>
+                  <m:t>w</m:t>
+                </m:r>
+                <m:r>
+                  <a:rPr xmlns:a="http://schemas.openxmlformats.org/drawingml/2006/main" sz="2150" i="1">
+                    <a:solidFill>
+                      <a:srgbClr val="000000"/>
+                    </a:solidFill>
+                    <a:latin typeface="Cambria Math" panose="02040503050406030204" pitchFamily="18" charset="0"/>
+                  </a:rPr>
+                  <m:t>)</m:t>
+                </m:r>
+              </m:oMath>
+            </a14:m>
+          </a:p>
+        </p:txBody>
+      </p:sp>
+      <p:grpSp>
+        <p:nvGrpSpPr>
+          <p:cNvPr id="181" name="Gruppieren"/>
+          <p:cNvGrpSpPr/>
+          <p:nvPr/>
+        </p:nvGrpSpPr>
+        <p:grpSpPr>
+          <a:xfrm>
+            <a:off x="487001" y="3413164"/>
+            <a:ext cx="4556126" cy="3029533"/>
+            <a:chOff x="0" y="0"/>
+            <a:chExt cx="4556125" cy="3029531"/>
+          </a:xfrm>
+        </p:grpSpPr>
+        <p:pic>
+          <p:nvPicPr>
+            <p:cNvPr id="179" name="GradientDescent.jpg" descr="GradientDescent.jpg"/>
+            <p:cNvPicPr>
+              <a:picLocks noChangeAspect="1"/>
+            </p:cNvPicPr>
+            <p:nvPr/>
+          </p:nvPicPr>
+          <p:blipFill>
+            <a:blip r:embed="rId2">
+              <a:extLst/>
+            </a:blip>
+            <a:srcRect l="0" t="0" r="0" b="0"/>
+            <a:stretch>
+              <a:fillRect/>
+            </a:stretch>
+          </p:blipFill>
+          <p:spPr>
+            <a:xfrm>
+              <a:off x="0" y="0"/>
+              <a:ext cx="4556023" cy="2369132"/>
+            </a:xfrm>
+            <a:prstGeom prst="rect">
+              <a:avLst/>
+            </a:prstGeom>
+            <a:ln w="12700" cap="flat">
+              <a:noFill/>
+              <a:miter lim="400000"/>
+            </a:ln>
+            <a:effectLst/>
+          </p:spPr>
+        </p:pic>
+        <p:sp>
+          <p:nvSpPr>
+            <p:cNvPr id="180" name="Caption"/>
+            <p:cNvSpPr/>
+            <p:nvPr/>
+          </p:nvSpPr>
+          <p:spPr>
+            <a:xfrm>
+              <a:off x="0" y="2470731"/>
+              <a:ext cx="4556126" cy="558801"/>
+            </a:xfrm>
+            <a:prstGeom prst="roundRect">
+              <a:avLst>
+                <a:gd name="adj" fmla="val 0"/>
+              </a:avLst>
+            </a:prstGeom>
+            <a:solidFill>
+              <a:srgbClr val="000000">
+                <a:alpha val="0"/>
+              </a:srgbClr>
+            </a:solidFill>
+            <a:ln w="12700" cap="flat">
+              <a:noFill/>
+              <a:miter lim="400000"/>
+            </a:ln>
+            <a:effectLst/>
+            <a:extLst>
+              <a:ext uri="{C572A759-6A51-4108-AA02-DFA0A04FC94B}">
+                <ma14:wrappingTextBoxFlag xmlns:ma14="http://schemas.microsoft.com/office/mac/drawingml/2011/main" val="1"/>
+              </a:ext>
+            </a:extLst>
+          </p:spPr>
+          <p:txBody>
+            <a:bodyPr wrap="square" lIns="50800" tIns="50800" rIns="50800" bIns="50800" numCol="1" anchor="t">
+              <a:noAutofit/>
+            </a:bodyPr>
+            <a:lstStyle>
+              <a:lvl1pPr defTabSz="457200">
+                <a:defRPr sz="1500">
+                  <a:latin typeface="Times Roman"/>
+                  <a:ea typeface="Times Roman"/>
+                  <a:cs typeface="Times Roman"/>
+                  <a:sym typeface="Times Roman"/>
+                </a:defRPr>
+              </a:lvl1pPr>
+            </a:lstStyle>
+            <a:p>
+              <a:pPr/>
+              <a:r>
+                <a:t>Vakalopoulou M, et al. Deep Learning: Basics and Convolutional Neural Networks (CNNs) 2023 Jul 23</a:t>
+              </a:r>
+            </a:p>
+          </p:txBody>
+        </p:sp>
+      </p:grpSp>
+      <p:sp>
+        <p:nvSpPr>
+          <p:cNvPr id="182" name="Gradienten Berechnen:                                                                     Backpropagation-Backpropagation Algorithmus"/>
+          <p:cNvSpPr txBox="1"/>
+          <p:nvPr/>
+        </p:nvSpPr>
+        <p:spPr>
+          <a:xfrm>
+            <a:off x="5245523" y="3494993"/>
+            <a:ext cx="8822622" cy="695126"/>
+          </a:xfrm>
+          <a:prstGeom prst="rect">
+            <a:avLst/>
+          </a:prstGeom>
+          <a:ln w="12700">
+            <a:miter lim="400000"/>
+          </a:ln>
+          <a:extLst>
+            <a:ext uri="{C572A759-6A51-4108-AA02-DFA0A04FC94B}">
+              <ma14:wrappingTextBoxFlag xmlns:ma14="http://schemas.microsoft.com/office/mac/drawingml/2011/main" val="1"/>
+            </a:ext>
+          </a:extLst>
+        </p:spPr>
+        <p:txBody>
+          <a:bodyPr wrap="none" lIns="45718" tIns="45718" rIns="45718" bIns="45718">
+            <a:spAutoFit/>
+          </a:bodyPr>
+          <a:lstStyle>
+            <a:lvl1pPr marL="180473" indent="-180473">
+              <a:lnSpc>
+                <a:spcPct val="130000"/>
+              </a:lnSpc>
+              <a:spcBef>
+                <a:spcPts val="300"/>
+              </a:spcBef>
+              <a:buSzPct val="100000"/>
+              <a:buChar char="•"/>
+              <a:defRPr>
+                <a:latin typeface="Arial"/>
+                <a:ea typeface="Arial"/>
+                <a:cs typeface="Arial"/>
+                <a:sym typeface="Arial"/>
+              </a:defRPr>
             </a:lvl1pPr>
           </a:lstStyle>
           <a:p>
             <a:pPr/>
             <a:r>
-              <a:t>Kreuz</a:t>
+              <a:t>Gradienten Berechnen:                                                                     Backpropagation-Backpropagation Algorithmus</a:t>
             </a:r>
           </a:p>
         </p:txBody>
@@ -7000,7 +8109,7 @@
       </p:grpSpPr>
       <p:sp>
         <p:nvSpPr>
-          <p:cNvPr id="180" name="Bckpropagation Algorithmus"/>
+          <p:cNvPr id="184" name="Backpropagation Algorithmus"/>
           <p:cNvSpPr txBox="1"/>
           <p:nvPr>
             <p:ph type="title"/>
@@ -7017,14 +8126,14 @@
           <a:p>
             <a:pPr/>
             <a:r>
-              <a:t>Bckpropagation Algorithmus</a:t>
+              <a:t>Backpropagation Algorithmus</a:t>
             </a:r>
           </a:p>
         </p:txBody>
       </p:sp>
       <p:sp>
         <p:nvSpPr>
-          <p:cNvPr id="181" name="Output Layer:                  (1)…"/>
+          <p:cNvPr id="185" name="Output Layer:              (1)…"/>
           <p:cNvSpPr txBox="1"/>
           <p:nvPr/>
         </p:nvSpPr>
@@ -7080,7 +8189,7 @@
                       <m:rPr>
                         <m:sty m:val="p"/>
                       </m:rPr>
-                      <a:rPr xmlns:a="http://schemas.openxmlformats.org/drawingml/2006/main" sz="1900" i="1">
+                      <a:rPr xmlns:a="http://schemas.openxmlformats.org/drawingml/2006/main" sz="1950" i="1">
                         <a:solidFill>
                           <a:srgbClr val="000000"/>
                         </a:solidFill>
@@ -7091,7 +8200,7 @@
                   </m:e>
                   <m:sub>
                     <m:r>
-                      <a:rPr xmlns:a="http://schemas.openxmlformats.org/drawingml/2006/main" sz="1900" i="1">
+                      <a:rPr xmlns:a="http://schemas.openxmlformats.org/drawingml/2006/main" sz="1950" i="1">
                         <a:solidFill>
                           <a:srgbClr val="000000"/>
                         </a:solidFill>
@@ -7102,7 +8211,7 @@
                   </m:sub>
                   <m:sup>
                     <m:r>
-                      <a:rPr xmlns:a="http://schemas.openxmlformats.org/drawingml/2006/main" sz="1900" i="1">
+                      <a:rPr xmlns:a="http://schemas.openxmlformats.org/drawingml/2006/main" sz="1950" i="1">
                         <a:solidFill>
                           <a:srgbClr val="000000"/>
                         </a:solidFill>
@@ -7111,7 +8220,7 @@
                       <m:t>(</m:t>
                     </m:r>
                     <m:r>
-                      <a:rPr xmlns:a="http://schemas.openxmlformats.org/drawingml/2006/main" sz="1900" i="1">
+                      <a:rPr xmlns:a="http://schemas.openxmlformats.org/drawingml/2006/main" sz="1950" i="1">
                         <a:solidFill>
                           <a:srgbClr val="000000"/>
                         </a:solidFill>
@@ -7120,7 +8229,7 @@
                       <m:t>L</m:t>
                     </m:r>
                     <m:r>
-                      <a:rPr xmlns:a="http://schemas.openxmlformats.org/drawingml/2006/main" sz="1900" i="1">
+                      <a:rPr xmlns:a="http://schemas.openxmlformats.org/drawingml/2006/main" sz="1950" i="1">
                         <a:solidFill>
                           <a:srgbClr val="000000"/>
                         </a:solidFill>
@@ -7131,7 +8240,7 @@
                   </m:sup>
                 </m:sSubSup>
                 <m:r>
-                  <a:rPr xmlns:a="http://schemas.openxmlformats.org/drawingml/2006/main" sz="1900" i="1">
+                  <a:rPr xmlns:a="http://schemas.openxmlformats.org/drawingml/2006/main" sz="1950" i="1">
                     <a:solidFill>
                       <a:srgbClr val="000000"/>
                     </a:solidFill>
@@ -7142,7 +8251,7 @@
                 <m:f>
                   <m:fPr>
                     <m:ctrlPr>
-                      <a:rPr xmlns:a="http://schemas.openxmlformats.org/drawingml/2006/main" sz="1900" i="1">
+                      <a:rPr xmlns:a="http://schemas.openxmlformats.org/drawingml/2006/main" sz="1950" i="1">
                         <a:solidFill>
                           <a:srgbClr val="000000"/>
                         </a:solidFill>
@@ -7156,7 +8265,7 @@
                       <m:rPr>
                         <m:sty m:val="p"/>
                       </m:rPr>
-                      <a:rPr xmlns:a="http://schemas.openxmlformats.org/drawingml/2006/main" sz="1900" i="1">
+                      <a:rPr xmlns:a="http://schemas.openxmlformats.org/drawingml/2006/main" sz="1950" i="1">
                         <a:solidFill>
                           <a:srgbClr val="000000"/>
                         </a:solidFill>
@@ -7165,7 +8274,7 @@
                       <m:t>∂</m:t>
                     </m:r>
                     <m:r>
-                      <a:rPr xmlns:a="http://schemas.openxmlformats.org/drawingml/2006/main" sz="1900" i="1">
+                      <a:rPr xmlns:a="http://schemas.openxmlformats.org/drawingml/2006/main" sz="1950" i="1">
                         <a:solidFill>
                           <a:srgbClr val="000000"/>
                         </a:solidFill>
@@ -7179,7 +8288,7 @@
                       <m:rPr>
                         <m:sty m:val="p"/>
                       </m:rPr>
-                      <a:rPr xmlns:a="http://schemas.openxmlformats.org/drawingml/2006/main" sz="1900" i="1">
+                      <a:rPr xmlns:a="http://schemas.openxmlformats.org/drawingml/2006/main" sz="1950" i="1">
                         <a:solidFill>
                           <a:srgbClr val="000000"/>
                         </a:solidFill>
@@ -7190,7 +8299,7 @@
                     <m:sSubSup>
                       <m:e>
                         <m:r>
-                          <a:rPr xmlns:a="http://schemas.openxmlformats.org/drawingml/2006/main" sz="1900" i="1">
+                          <a:rPr xmlns:a="http://schemas.openxmlformats.org/drawingml/2006/main" sz="1950" i="1">
                             <a:solidFill>
                               <a:srgbClr val="000000"/>
                             </a:solidFill>
@@ -7201,7 +8310,7 @@
                       </m:e>
                       <m:sub>
                         <m:r>
-                          <a:rPr xmlns:a="http://schemas.openxmlformats.org/drawingml/2006/main" sz="1900" i="1">
+                          <a:rPr xmlns:a="http://schemas.openxmlformats.org/drawingml/2006/main" sz="1950" i="1">
                             <a:solidFill>
                               <a:srgbClr val="000000"/>
                             </a:solidFill>
@@ -7212,7 +8321,7 @@
                       </m:sub>
                       <m:sup>
                         <m:r>
-                          <a:rPr xmlns:a="http://schemas.openxmlformats.org/drawingml/2006/main" sz="1900" i="1">
+                          <a:rPr xmlns:a="http://schemas.openxmlformats.org/drawingml/2006/main" sz="1950" i="1">
                             <a:solidFill>
                               <a:srgbClr val="000000"/>
                             </a:solidFill>
@@ -7221,7 +8330,7 @@
                           <m:t>(</m:t>
                         </m:r>
                         <m:r>
-                          <a:rPr xmlns:a="http://schemas.openxmlformats.org/drawingml/2006/main" sz="1900" i="1">
+                          <a:rPr xmlns:a="http://schemas.openxmlformats.org/drawingml/2006/main" sz="1950" i="1">
                             <a:solidFill>
                               <a:srgbClr val="000000"/>
                             </a:solidFill>
@@ -7230,7 +8339,7 @@
                           <m:t>L</m:t>
                         </m:r>
                         <m:r>
-                          <a:rPr xmlns:a="http://schemas.openxmlformats.org/drawingml/2006/main" sz="1900" i="1">
+                          <a:rPr xmlns:a="http://schemas.openxmlformats.org/drawingml/2006/main" sz="1950" i="1">
                             <a:solidFill>
                               <a:srgbClr val="000000"/>
                             </a:solidFill>
@@ -7243,7 +8352,7 @@
                   </m:den>
                 </m:f>
                 <m:r>
-                  <a:rPr xmlns:a="http://schemas.openxmlformats.org/drawingml/2006/main" sz="1900" i="1">
+                  <a:rPr xmlns:a="http://schemas.openxmlformats.org/drawingml/2006/main" sz="1950" i="1">
                     <a:solidFill>
                       <a:srgbClr val="000000"/>
                     </a:solidFill>
@@ -7254,7 +8363,7 @@
                 <m:f>
                   <m:fPr>
                     <m:ctrlPr>
-                      <a:rPr xmlns:a="http://schemas.openxmlformats.org/drawingml/2006/main" sz="1900" i="1">
+                      <a:rPr xmlns:a="http://schemas.openxmlformats.org/drawingml/2006/main" sz="1950" i="1">
                         <a:solidFill>
                           <a:srgbClr val="000000"/>
                         </a:solidFill>
@@ -7268,7 +8377,7 @@
                       <m:rPr>
                         <m:sty m:val="p"/>
                       </m:rPr>
-                      <a:rPr xmlns:a="http://schemas.openxmlformats.org/drawingml/2006/main" sz="1900" i="1">
+                      <a:rPr xmlns:a="http://schemas.openxmlformats.org/drawingml/2006/main" sz="1950" i="1">
                         <a:solidFill>
                           <a:srgbClr val="000000"/>
                         </a:solidFill>
@@ -7277,7 +8386,7 @@
                       <m:t>∂</m:t>
                     </m:r>
                     <m:r>
-                      <a:rPr xmlns:a="http://schemas.openxmlformats.org/drawingml/2006/main" sz="1900" i="1">
+                      <a:rPr xmlns:a="http://schemas.openxmlformats.org/drawingml/2006/main" sz="1950" i="1">
                         <a:solidFill>
                           <a:srgbClr val="000000"/>
                         </a:solidFill>
@@ -7291,7 +8400,7 @@
                       <m:rPr>
                         <m:sty m:val="p"/>
                       </m:rPr>
-                      <a:rPr xmlns:a="http://schemas.openxmlformats.org/drawingml/2006/main" sz="1900" i="1">
+                      <a:rPr xmlns:a="http://schemas.openxmlformats.org/drawingml/2006/main" sz="1950" i="1">
                         <a:solidFill>
                           <a:srgbClr val="000000"/>
                         </a:solidFill>
@@ -7302,7 +8411,7 @@
                     <m:sSubSup>
                       <m:e>
                         <m:r>
-                          <a:rPr xmlns:a="http://schemas.openxmlformats.org/drawingml/2006/main" sz="1900" i="1">
+                          <a:rPr xmlns:a="http://schemas.openxmlformats.org/drawingml/2006/main" sz="1950" i="1">
                             <a:solidFill>
                               <a:srgbClr val="000000"/>
                             </a:solidFill>
@@ -7313,7 +8422,7 @@
                       </m:e>
                       <m:sub>
                         <m:r>
-                          <a:rPr xmlns:a="http://schemas.openxmlformats.org/drawingml/2006/main" sz="1900" i="1">
+                          <a:rPr xmlns:a="http://schemas.openxmlformats.org/drawingml/2006/main" sz="1950" i="1">
                             <a:solidFill>
                               <a:srgbClr val="000000"/>
                             </a:solidFill>
@@ -7324,7 +8433,7 @@
                       </m:sub>
                       <m:sup>
                         <m:r>
-                          <a:rPr xmlns:a="http://schemas.openxmlformats.org/drawingml/2006/main" sz="1900" i="1">
+                          <a:rPr xmlns:a="http://schemas.openxmlformats.org/drawingml/2006/main" sz="1950" i="1">
                             <a:solidFill>
                               <a:srgbClr val="000000"/>
                             </a:solidFill>
@@ -7333,7 +8442,7 @@
                           <m:t>(</m:t>
                         </m:r>
                         <m:r>
-                          <a:rPr xmlns:a="http://schemas.openxmlformats.org/drawingml/2006/main" sz="1900" i="1">
+                          <a:rPr xmlns:a="http://schemas.openxmlformats.org/drawingml/2006/main" sz="1950" i="1">
                             <a:solidFill>
                               <a:srgbClr val="000000"/>
                             </a:solidFill>
@@ -7342,7 +8451,7 @@
                           <m:t>L</m:t>
                         </m:r>
                         <m:r>
-                          <a:rPr xmlns:a="http://schemas.openxmlformats.org/drawingml/2006/main" sz="1900" i="1">
+                          <a:rPr xmlns:a="http://schemas.openxmlformats.org/drawingml/2006/main" sz="1950" i="1">
                             <a:solidFill>
                               <a:srgbClr val="000000"/>
                             </a:solidFill>
@@ -7355,7 +8464,7 @@
                   </m:den>
                 </m:f>
                 <m:r>
-                  <a:rPr xmlns:a="http://schemas.openxmlformats.org/drawingml/2006/main" sz="1900" i="1">
+                  <a:rPr xmlns:a="http://schemas.openxmlformats.org/drawingml/2006/main" sz="1950" i="1">
                     <a:solidFill>
                       <a:srgbClr val="000000"/>
                     </a:solidFill>
@@ -7366,7 +8475,7 @@
                 <m:sSup>
                   <m:e>
                     <m:r>
-                      <a:rPr xmlns:a="http://schemas.openxmlformats.org/drawingml/2006/main" sz="1900" i="1">
+                      <a:rPr xmlns:a="http://schemas.openxmlformats.org/drawingml/2006/main" sz="1950" i="1">
                         <a:solidFill>
                           <a:srgbClr val="000000"/>
                         </a:solidFill>
@@ -7377,7 +8486,7 @@
                   </m:e>
                   <m:sup>
                     <m:r>
-                      <a:rPr xmlns:a="http://schemas.openxmlformats.org/drawingml/2006/main" sz="1900" i="1">
+                      <a:rPr xmlns:a="http://schemas.openxmlformats.org/drawingml/2006/main" sz="1950" i="1">
                         <a:solidFill>
                           <a:srgbClr val="000000"/>
                         </a:solidFill>
@@ -7387,81 +8496,77 @@
                     </m:r>
                   </m:sup>
                 </m:sSup>
-                <m:r>
-                  <a:rPr xmlns:a="http://schemas.openxmlformats.org/drawingml/2006/main" sz="1900" i="1">
-                    <a:solidFill>
-                      <a:srgbClr val="000000"/>
-                    </a:solidFill>
-                    <a:latin typeface="Cambria Math" panose="02040503050406030204" pitchFamily="18" charset="0"/>
-                  </a:rPr>
-                  <m:t>(</m:t>
-                </m:r>
-                <m:sSubSup>
+                <m:d>
+                  <m:dPr>
+                    <m:ctrlPr>
+                      <a:rPr xmlns:a="http://schemas.openxmlformats.org/drawingml/2006/main" sz="1950" i="1">
+                        <a:solidFill>
+                          <a:srgbClr val="000000"/>
+                        </a:solidFill>
+                        <a:latin typeface="Cambria Math" panose="02040503050406030204" pitchFamily="18" charset="0"/>
+                      </a:rPr>
+                    </m:ctrlPr>
+                  </m:dPr>
                   <m:e>
-                    <m:r>
-                      <a:rPr xmlns:a="http://schemas.openxmlformats.org/drawingml/2006/main" sz="1900" i="1">
-                        <a:solidFill>
-                          <a:srgbClr val="000000"/>
-                        </a:solidFill>
-                        <a:latin typeface="Cambria Math" panose="02040503050406030204" pitchFamily="18" charset="0"/>
-                      </a:rPr>
-                      <m:t>z</m:t>
-                    </m:r>
+                    <m:sSubSup>
+                      <m:e>
+                        <m:r>
+                          <a:rPr xmlns:a="http://schemas.openxmlformats.org/drawingml/2006/main" sz="1950" i="1">
+                            <a:solidFill>
+                              <a:srgbClr val="000000"/>
+                            </a:solidFill>
+                            <a:latin typeface="Cambria Math" panose="02040503050406030204" pitchFamily="18" charset="0"/>
+                          </a:rPr>
+                          <m:t>z</m:t>
+                        </m:r>
+                      </m:e>
+                      <m:sub>
+                        <m:r>
+                          <a:rPr xmlns:a="http://schemas.openxmlformats.org/drawingml/2006/main" sz="1950" i="1">
+                            <a:solidFill>
+                              <a:srgbClr val="000000"/>
+                            </a:solidFill>
+                            <a:latin typeface="Cambria Math" panose="02040503050406030204" pitchFamily="18" charset="0"/>
+                          </a:rPr>
+                          <m:t>j</m:t>
+                        </m:r>
+                      </m:sub>
+                      <m:sup>
+                        <m:r>
+                          <a:rPr xmlns:a="http://schemas.openxmlformats.org/drawingml/2006/main" sz="1950" i="1">
+                            <a:solidFill>
+                              <a:srgbClr val="000000"/>
+                            </a:solidFill>
+                            <a:latin typeface="Cambria Math" panose="02040503050406030204" pitchFamily="18" charset="0"/>
+                          </a:rPr>
+                          <m:t>(</m:t>
+                        </m:r>
+                        <m:r>
+                          <a:rPr xmlns:a="http://schemas.openxmlformats.org/drawingml/2006/main" sz="1950" i="1">
+                            <a:solidFill>
+                              <a:srgbClr val="000000"/>
+                            </a:solidFill>
+                            <a:latin typeface="Cambria Math" panose="02040503050406030204" pitchFamily="18" charset="0"/>
+                          </a:rPr>
+                          <m:t>L</m:t>
+                        </m:r>
+                        <m:r>
+                          <a:rPr xmlns:a="http://schemas.openxmlformats.org/drawingml/2006/main" sz="1950" i="1">
+                            <a:solidFill>
+                              <a:srgbClr val="000000"/>
+                            </a:solidFill>
+                            <a:latin typeface="Cambria Math" panose="02040503050406030204" pitchFamily="18" charset="0"/>
+                          </a:rPr>
+                          <m:t>)</m:t>
+                        </m:r>
+                      </m:sup>
+                    </m:sSubSup>
                   </m:e>
-                  <m:sub>
-                    <m:r>
-                      <a:rPr xmlns:a="http://schemas.openxmlformats.org/drawingml/2006/main" sz="1900" i="1">
-                        <a:solidFill>
-                          <a:srgbClr val="000000"/>
-                        </a:solidFill>
-                        <a:latin typeface="Cambria Math" panose="02040503050406030204" pitchFamily="18" charset="0"/>
-                      </a:rPr>
-                      <m:t>j</m:t>
-                    </m:r>
-                  </m:sub>
-                  <m:sup>
-                    <m:r>
-                      <a:rPr xmlns:a="http://schemas.openxmlformats.org/drawingml/2006/main" sz="1900" i="1">
-                        <a:solidFill>
-                          <a:srgbClr val="000000"/>
-                        </a:solidFill>
-                        <a:latin typeface="Cambria Math" panose="02040503050406030204" pitchFamily="18" charset="0"/>
-                      </a:rPr>
-                      <m:t>(</m:t>
-                    </m:r>
-                    <m:r>
-                      <a:rPr xmlns:a="http://schemas.openxmlformats.org/drawingml/2006/main" sz="1900" i="1">
-                        <a:solidFill>
-                          <a:srgbClr val="000000"/>
-                        </a:solidFill>
-                        <a:latin typeface="Cambria Math" panose="02040503050406030204" pitchFamily="18" charset="0"/>
-                      </a:rPr>
-                      <m:t>L</m:t>
-                    </m:r>
-                    <m:r>
-                      <a:rPr xmlns:a="http://schemas.openxmlformats.org/drawingml/2006/main" sz="1900" i="1">
-                        <a:solidFill>
-                          <a:srgbClr val="000000"/>
-                        </a:solidFill>
-                        <a:latin typeface="Cambria Math" panose="02040503050406030204" pitchFamily="18" charset="0"/>
-                      </a:rPr>
-                      <m:t>)</m:t>
-                    </m:r>
-                  </m:sup>
-                </m:sSubSup>
-                <m:r>
-                  <a:rPr xmlns:a="http://schemas.openxmlformats.org/drawingml/2006/main" sz="1900" i="1">
-                    <a:solidFill>
-                      <a:srgbClr val="000000"/>
-                    </a:solidFill>
-                    <a:latin typeface="Cambria Math" panose="02040503050406030204" pitchFamily="18" charset="0"/>
-                  </a:rPr>
-                  <m:t>)</m:t>
-                </m:r>
+                </m:d>
               </m:oMath>
             </a14:m>
             <a:r>
-              <a:t>                </a:t>
+              <a:t>            </a:t>
             </a:r>
             <a:r>
               <a:rPr b="1"/>
@@ -8051,7 +9156,7 @@
               </m:oMath>
             </a14:m>
             <a:r>
-              <a:t>                    </a:t>
+              <a:t>                   </a:t>
             </a:r>
             <a:r>
               <a:rPr b="1"/>
@@ -9129,7 +10234,7 @@
             </a:r>
             <a:r>
               <a:rPr b="1"/>
-              <a:t> (3)</a:t>
+              <a:t>(3)</a:t>
             </a:r>
             <a:endParaRPr b="1"/>
           </a:p>
@@ -9673,7 +10778,7 @@
               </m:oMath>
             </a14:m>
             <a:r>
-              <a:t>                                    </a:t>
+              <a:t>                                   </a:t>
             </a:r>
             <a:r>
               <a:rPr b="1"/>
@@ -9687,14 +10792,14 @@
       </p:sp>
       <p:sp>
         <p:nvSpPr>
-          <p:cNvPr id="182" name="Notation:…"/>
+          <p:cNvPr id="186" name="Notation:…"/>
           <p:cNvSpPr/>
           <p:nvPr/>
         </p:nvSpPr>
         <p:spPr>
           <a:xfrm>
-            <a:off x="6095639" y="482534"/>
-            <a:ext cx="2948260" cy="3232648"/>
+            <a:off x="5994039" y="473760"/>
+            <a:ext cx="3070549" cy="3273062"/>
           </a:xfrm>
           <a:prstGeom prst="rect">
             <a:avLst/>
@@ -9718,7 +10823,10 @@
           <a:lstStyle/>
           <a:p>
             <a:pPr algn="ctr">
-              <a:defRPr sz="1100" u="sng">
+              <a:spcBef>
+                <a:spcPts val="400"/>
+              </a:spcBef>
+              <a:defRPr sz="1200" u="sng">
                 <a:latin typeface="Arial"/>
                 <a:ea typeface="Arial"/>
                 <a:cs typeface="Arial"/>
@@ -9731,20 +10839,10 @@
           </a:p>
           <a:p>
             <a:pPr>
-              <a:defRPr sz="1100" u="sng">
-                <a:latin typeface="Arial"/>
-                <a:ea typeface="Arial"/>
-                <a:cs typeface="Arial"/>
-                <a:sym typeface="Arial"/>
-              </a:defRPr>
-            </a:pPr>
-            <a:r>
-              <a:t> </a:t>
-            </a:r>
-          </a:p>
-          <a:p>
-            <a:pPr>
-              <a:defRPr sz="1100">
+              <a:spcBef>
+                <a:spcPts val="400"/>
+              </a:spcBef>
+              <a:defRPr sz="1200">
                 <a:latin typeface="Arial"/>
                 <a:ea typeface="Arial"/>
                 <a:cs typeface="Arial"/>
@@ -9756,7 +10854,7 @@
                 <m:sSubSup>
                   <m:e>
                     <m:r>
-                      <a:rPr xmlns:a="http://schemas.openxmlformats.org/drawingml/2006/main" sz="1300" i="1">
+                      <a:rPr xmlns:a="http://schemas.openxmlformats.org/drawingml/2006/main" sz="1450" i="1">
                         <a:solidFill>
                           <a:srgbClr val="000000"/>
                         </a:solidFill>
@@ -9767,7 +10865,7 @@
                   </m:e>
                   <m:sub>
                     <m:r>
-                      <a:rPr xmlns:a="http://schemas.openxmlformats.org/drawingml/2006/main" sz="1300" i="1">
+                      <a:rPr xmlns:a="http://schemas.openxmlformats.org/drawingml/2006/main" sz="1450" i="1">
                         <a:solidFill>
                           <a:srgbClr val="000000"/>
                         </a:solidFill>
@@ -9776,7 +10874,7 @@
                       <m:t>j</m:t>
                     </m:r>
                     <m:r>
-                      <a:rPr xmlns:a="http://schemas.openxmlformats.org/drawingml/2006/main" sz="1300" i="1">
+                      <a:rPr xmlns:a="http://schemas.openxmlformats.org/drawingml/2006/main" sz="1450" i="1">
                         <a:solidFill>
                           <a:srgbClr val="000000"/>
                         </a:solidFill>
@@ -9787,7 +10885,7 @@
                   </m:sub>
                   <m:sup>
                     <m:r>
-                      <a:rPr xmlns:a="http://schemas.openxmlformats.org/drawingml/2006/main" sz="1300" i="1">
+                      <a:rPr xmlns:a="http://schemas.openxmlformats.org/drawingml/2006/main" sz="1450" i="1">
                         <a:solidFill>
                           <a:srgbClr val="000000"/>
                         </a:solidFill>
@@ -9796,7 +10894,7 @@
                       <m:t>(</m:t>
                     </m:r>
                     <m:r>
-                      <a:rPr xmlns:a="http://schemas.openxmlformats.org/drawingml/2006/main" sz="1300" i="1">
+                      <a:rPr xmlns:a="http://schemas.openxmlformats.org/drawingml/2006/main" sz="1450" i="1">
                         <a:solidFill>
                           <a:srgbClr val="000000"/>
                         </a:solidFill>
@@ -9805,7 +10903,7 @@
                       <m:t>l</m:t>
                     </m:r>
                     <m:r>
-                      <a:rPr xmlns:a="http://schemas.openxmlformats.org/drawingml/2006/main" sz="1300" i="1">
+                      <a:rPr xmlns:a="http://schemas.openxmlformats.org/drawingml/2006/main" sz="1450" i="1">
                         <a:solidFill>
                           <a:srgbClr val="000000"/>
                         </a:solidFill>
@@ -9823,7 +10921,7 @@
             <a14:m>
               <m:oMath>
                 <m:r>
-                  <a:rPr xmlns:a="http://schemas.openxmlformats.org/drawingml/2006/main" sz="1300" i="1">
+                  <a:rPr xmlns:a="http://schemas.openxmlformats.org/drawingml/2006/main" sz="1400" i="1">
                     <a:solidFill>
                       <a:srgbClr val="000000"/>
                     </a:solidFill>
@@ -9839,7 +10937,7 @@
             <a14:m>
               <m:oMath>
                 <m:r>
-                  <a:rPr xmlns:a="http://schemas.openxmlformats.org/drawingml/2006/main" sz="1400" i="1">
+                  <a:rPr xmlns:a="http://schemas.openxmlformats.org/drawingml/2006/main" sz="1500" i="1">
                     <a:solidFill>
                       <a:srgbClr val="000000"/>
                     </a:solidFill>
@@ -9848,7 +10946,7 @@
                   <m:t>l</m:t>
                 </m:r>
                 <m:r>
-                  <a:rPr xmlns:a="http://schemas.openxmlformats.org/drawingml/2006/main" sz="1400" i="1">
+                  <a:rPr xmlns:a="http://schemas.openxmlformats.org/drawingml/2006/main" sz="1500" i="1">
                     <a:solidFill>
                       <a:srgbClr val="000000"/>
                     </a:solidFill>
@@ -9857,7 +10955,7 @@
                   <m:t>-</m:t>
                 </m:r>
                 <m:r>
-                  <a:rPr xmlns:a="http://schemas.openxmlformats.org/drawingml/2006/main" sz="1400" i="1">
+                  <a:rPr xmlns:a="http://schemas.openxmlformats.org/drawingml/2006/main" sz="1500" i="1">
                     <a:solidFill>
                       <a:srgbClr val="000000"/>
                     </a:solidFill>
@@ -9873,7 +10971,7 @@
             <a14:m>
               <m:oMath>
                 <m:r>
-                  <a:rPr xmlns:a="http://schemas.openxmlformats.org/drawingml/2006/main" sz="900" i="1">
+                  <a:rPr xmlns:a="http://schemas.openxmlformats.org/drawingml/2006/main" sz="1000" i="1">
                     <a:solidFill>
                       <a:srgbClr val="000000"/>
                     </a:solidFill>
@@ -9889,7 +10987,7 @@
             <a14:m>
               <m:oMath>
                 <m:r>
-                  <a:rPr xmlns:a="http://schemas.openxmlformats.org/drawingml/2006/main" sz="1550" i="1">
+                  <a:rPr xmlns:a="http://schemas.openxmlformats.org/drawingml/2006/main" sz="1650" i="1">
                     <a:solidFill>
                       <a:srgbClr val="000000"/>
                     </a:solidFill>
@@ -9905,17 +11003,10 @@
           </a:p>
           <a:p>
             <a:pPr>
-              <a:defRPr sz="1100">
-                <a:latin typeface="Arial"/>
-                <a:ea typeface="Arial"/>
-                <a:cs typeface="Arial"/>
-                <a:sym typeface="Arial"/>
-              </a:defRPr>
-            </a:pPr>
-          </a:p>
-          <a:p>
-            <a:pPr>
-              <a:defRPr sz="1100">
+              <a:spcBef>
+                <a:spcPts val="400"/>
+              </a:spcBef>
+              <a:defRPr sz="1200">
                 <a:latin typeface="Arial"/>
                 <a:ea typeface="Arial"/>
                 <a:cs typeface="Arial"/>
@@ -9927,7 +11018,7 @@
                 <m:sSubSup>
                   <m:e>
                     <m:r>
-                      <a:rPr xmlns:a="http://schemas.openxmlformats.org/drawingml/2006/main" sz="1350" i="1">
+                      <a:rPr xmlns:a="http://schemas.openxmlformats.org/drawingml/2006/main" sz="1500" i="1">
                         <a:solidFill>
                           <a:srgbClr val="000000"/>
                         </a:solidFill>
@@ -9938,7 +11029,7 @@
                   </m:e>
                   <m:sub>
                     <m:r>
-                      <a:rPr xmlns:a="http://schemas.openxmlformats.org/drawingml/2006/main" sz="1350" i="1">
+                      <a:rPr xmlns:a="http://schemas.openxmlformats.org/drawingml/2006/main" sz="1500" i="1">
                         <a:solidFill>
                           <a:srgbClr val="000000"/>
                         </a:solidFill>
@@ -9949,7 +11040,7 @@
                   </m:sub>
                   <m:sup>
                     <m:r>
-                      <a:rPr xmlns:a="http://schemas.openxmlformats.org/drawingml/2006/main" sz="1350" i="1">
+                      <a:rPr xmlns:a="http://schemas.openxmlformats.org/drawingml/2006/main" sz="1500" i="1">
                         <a:solidFill>
                           <a:srgbClr val="000000"/>
                         </a:solidFill>
@@ -9958,7 +11049,7 @@
                       <m:t>(</m:t>
                     </m:r>
                     <m:r>
-                      <a:rPr xmlns:a="http://schemas.openxmlformats.org/drawingml/2006/main" sz="1350" i="1">
+                      <a:rPr xmlns:a="http://schemas.openxmlformats.org/drawingml/2006/main" sz="1500" i="1">
                         <a:solidFill>
                           <a:srgbClr val="000000"/>
                         </a:solidFill>
@@ -9967,7 +11058,7 @@
                       <m:t>l</m:t>
                     </m:r>
                     <m:r>
-                      <a:rPr xmlns:a="http://schemas.openxmlformats.org/drawingml/2006/main" sz="1350" i="1">
+                      <a:rPr xmlns:a="http://schemas.openxmlformats.org/drawingml/2006/main" sz="1500" i="1">
                         <a:solidFill>
                           <a:srgbClr val="000000"/>
                         </a:solidFill>
@@ -9985,7 +11076,7 @@
             <a14:m>
               <m:oMath>
                 <m:r>
-                  <a:rPr xmlns:a="http://schemas.openxmlformats.org/drawingml/2006/main" sz="900" i="1">
+                  <a:rPr xmlns:a="http://schemas.openxmlformats.org/drawingml/2006/main" sz="1000" i="1">
                     <a:solidFill>
                       <a:srgbClr val="000000"/>
                     </a:solidFill>
@@ -10001,7 +11092,7 @@
             <a14:m>
               <m:oMath>
                 <m:r>
-                  <a:rPr xmlns:a="http://schemas.openxmlformats.org/drawingml/2006/main" sz="1550" i="1">
+                  <a:rPr xmlns:a="http://schemas.openxmlformats.org/drawingml/2006/main" sz="1650" i="1">
                     <a:solidFill>
                       <a:srgbClr val="000000"/>
                     </a:solidFill>
@@ -10014,17 +11105,10 @@
           </a:p>
           <a:p>
             <a:pPr>
-              <a:defRPr sz="1100">
-                <a:latin typeface="Arial"/>
-                <a:ea typeface="Arial"/>
-                <a:cs typeface="Arial"/>
-                <a:sym typeface="Arial"/>
-              </a:defRPr>
-            </a:pPr>
-          </a:p>
-          <a:p>
-            <a:pPr>
-              <a:defRPr sz="1100">
+              <a:spcBef>
+                <a:spcPts val="400"/>
+              </a:spcBef>
+              <a:defRPr sz="1200">
                 <a:latin typeface="Arial"/>
                 <a:ea typeface="Arial"/>
                 <a:cs typeface="Arial"/>
@@ -10036,7 +11120,7 @@
                 <m:sSubSup>
                   <m:e>
                     <m:r>
-                      <a:rPr xmlns:a="http://schemas.openxmlformats.org/drawingml/2006/main" sz="1350" i="1">
+                      <a:rPr xmlns:a="http://schemas.openxmlformats.org/drawingml/2006/main" sz="1450" i="1">
                         <a:solidFill>
                           <a:srgbClr val="000000"/>
                         </a:solidFill>
@@ -10047,7 +11131,7 @@
                   </m:e>
                   <m:sub>
                     <m:r>
-                      <a:rPr xmlns:a="http://schemas.openxmlformats.org/drawingml/2006/main" sz="1350" i="1">
+                      <a:rPr xmlns:a="http://schemas.openxmlformats.org/drawingml/2006/main" sz="1450" i="1">
                         <a:solidFill>
                           <a:srgbClr val="000000"/>
                         </a:solidFill>
@@ -10058,7 +11142,7 @@
                   </m:sub>
                   <m:sup>
                     <m:r>
-                      <a:rPr xmlns:a="http://schemas.openxmlformats.org/drawingml/2006/main" sz="1350" i="1">
+                      <a:rPr xmlns:a="http://schemas.openxmlformats.org/drawingml/2006/main" sz="1450" i="1">
                         <a:solidFill>
                           <a:srgbClr val="000000"/>
                         </a:solidFill>
@@ -10067,7 +11151,7 @@
                       <m:t>(</m:t>
                     </m:r>
                     <m:r>
-                      <a:rPr xmlns:a="http://schemas.openxmlformats.org/drawingml/2006/main" sz="1350" i="1">
+                      <a:rPr xmlns:a="http://schemas.openxmlformats.org/drawingml/2006/main" sz="1450" i="1">
                         <a:solidFill>
                           <a:srgbClr val="000000"/>
                         </a:solidFill>
@@ -10076,7 +11160,7 @@
                       <m:t>l</m:t>
                     </m:r>
                     <m:r>
-                      <a:rPr xmlns:a="http://schemas.openxmlformats.org/drawingml/2006/main" sz="1350" i="1">
+                      <a:rPr xmlns:a="http://schemas.openxmlformats.org/drawingml/2006/main" sz="1450" i="1">
                         <a:solidFill>
                           <a:srgbClr val="000000"/>
                         </a:solidFill>
@@ -10094,7 +11178,7 @@
             <a14:m>
               <m:oMath>
                 <m:r>
-                  <a:rPr xmlns:a="http://schemas.openxmlformats.org/drawingml/2006/main" sz="1550" i="1">
+                  <a:rPr xmlns:a="http://schemas.openxmlformats.org/drawingml/2006/main" sz="1650" i="1">
                     <a:solidFill>
                       <a:srgbClr val="000000"/>
                     </a:solidFill>
@@ -10110,17 +11194,10 @@
           </a:p>
           <a:p>
             <a:pPr>
-              <a:defRPr sz="1100">
-                <a:latin typeface="Arial"/>
-                <a:ea typeface="Arial"/>
-                <a:cs typeface="Arial"/>
-                <a:sym typeface="Arial"/>
-              </a:defRPr>
-            </a:pPr>
-          </a:p>
-          <a:p>
-            <a:pPr>
-              <a:defRPr sz="1100">
+              <a:spcBef>
+                <a:spcPts val="400"/>
+              </a:spcBef>
+              <a:defRPr sz="1200">
                 <a:latin typeface="Arial"/>
                 <a:ea typeface="Arial"/>
                 <a:cs typeface="Arial"/>
@@ -10135,7 +11212,7 @@
                 <m:sSubSup>
                   <m:e>
                     <m:r>
-                      <a:rPr xmlns:a="http://schemas.openxmlformats.org/drawingml/2006/main" sz="1300" i="1">
+                      <a:rPr xmlns:a="http://schemas.openxmlformats.org/drawingml/2006/main" sz="1400" i="1">
                         <a:solidFill>
                           <a:srgbClr val="000000"/>
                         </a:solidFill>
@@ -10146,7 +11223,7 @@
                   </m:e>
                   <m:sub>
                     <m:r>
-                      <a:rPr xmlns:a="http://schemas.openxmlformats.org/drawingml/2006/main" sz="1300" i="1">
+                      <a:rPr xmlns:a="http://schemas.openxmlformats.org/drawingml/2006/main" sz="1400" i="1">
                         <a:solidFill>
                           <a:srgbClr val="000000"/>
                         </a:solidFill>
@@ -10157,7 +11234,7 @@
                   </m:sub>
                   <m:sup>
                     <m:r>
-                      <a:rPr xmlns:a="http://schemas.openxmlformats.org/drawingml/2006/main" sz="1300" i="1">
+                      <a:rPr xmlns:a="http://schemas.openxmlformats.org/drawingml/2006/main" sz="1400" i="1">
                         <a:solidFill>
                           <a:srgbClr val="000000"/>
                         </a:solidFill>
@@ -10166,7 +11243,7 @@
                       <m:t>(</m:t>
                     </m:r>
                     <m:r>
-                      <a:rPr xmlns:a="http://schemas.openxmlformats.org/drawingml/2006/main" sz="1300" i="1">
+                      <a:rPr xmlns:a="http://schemas.openxmlformats.org/drawingml/2006/main" sz="1400" i="1">
                         <a:solidFill>
                           <a:srgbClr val="000000"/>
                         </a:solidFill>
@@ -10175,7 +11252,7 @@
                       <m:t>l</m:t>
                     </m:r>
                     <m:r>
-                      <a:rPr xmlns:a="http://schemas.openxmlformats.org/drawingml/2006/main" sz="1300" i="1">
+                      <a:rPr xmlns:a="http://schemas.openxmlformats.org/drawingml/2006/main" sz="1400" i="1">
                         <a:solidFill>
                           <a:srgbClr val="000000"/>
                         </a:solidFill>
@@ -10186,7 +11263,7 @@
                   </m:sup>
                 </m:sSubSup>
                 <m:r>
-                  <a:rPr xmlns:a="http://schemas.openxmlformats.org/drawingml/2006/main" sz="1300" i="1">
+                  <a:rPr xmlns:a="http://schemas.openxmlformats.org/drawingml/2006/main" sz="1400" i="1">
                     <a:solidFill>
                       <a:srgbClr val="000000"/>
                     </a:solidFill>
@@ -10197,7 +11274,7 @@
                 <m:limLow>
                   <m:e>
                     <m:r>
-                      <a:rPr xmlns:a="http://schemas.openxmlformats.org/drawingml/2006/main" sz="1300" i="1">
+                      <a:rPr xmlns:a="http://schemas.openxmlformats.org/drawingml/2006/main" sz="1400" i="1">
                         <a:solidFill>
                           <a:srgbClr val="000000"/>
                         </a:solidFill>
@@ -10208,7 +11285,7 @@
                   </m:e>
                   <m:lim>
                     <m:r>
-                      <a:rPr xmlns:a="http://schemas.openxmlformats.org/drawingml/2006/main" sz="1300" i="1">
+                      <a:rPr xmlns:a="http://schemas.openxmlformats.org/drawingml/2006/main" sz="1400" i="1">
                         <a:solidFill>
                           <a:srgbClr val="000000"/>
                         </a:solidFill>
@@ -10221,7 +11298,7 @@
                 <m:sSubSup>
                   <m:e>
                     <m:r>
-                      <a:rPr xmlns:a="http://schemas.openxmlformats.org/drawingml/2006/main" sz="1300" i="1">
+                      <a:rPr xmlns:a="http://schemas.openxmlformats.org/drawingml/2006/main" sz="1400" i="1">
                         <a:solidFill>
                           <a:srgbClr val="000000"/>
                         </a:solidFill>
@@ -10232,7 +11309,7 @@
                   </m:e>
                   <m:sub>
                     <m:r>
-                      <a:rPr xmlns:a="http://schemas.openxmlformats.org/drawingml/2006/main" sz="1300" i="1">
+                      <a:rPr xmlns:a="http://schemas.openxmlformats.org/drawingml/2006/main" sz="1400" i="1">
                         <a:solidFill>
                           <a:srgbClr val="000000"/>
                         </a:solidFill>
@@ -10241,7 +11318,7 @@
                       <m:t>j</m:t>
                     </m:r>
                     <m:r>
-                      <a:rPr xmlns:a="http://schemas.openxmlformats.org/drawingml/2006/main" sz="1300" i="1">
+                      <a:rPr xmlns:a="http://schemas.openxmlformats.org/drawingml/2006/main" sz="1400" i="1">
                         <a:solidFill>
                           <a:srgbClr val="000000"/>
                         </a:solidFill>
@@ -10252,7 +11329,7 @@
                   </m:sub>
                   <m:sup>
                     <m:r>
-                      <a:rPr xmlns:a="http://schemas.openxmlformats.org/drawingml/2006/main" sz="1300" i="1">
+                      <a:rPr xmlns:a="http://schemas.openxmlformats.org/drawingml/2006/main" sz="1400" i="1">
                         <a:solidFill>
                           <a:srgbClr val="000000"/>
                         </a:solidFill>
@@ -10261,7 +11338,7 @@
                       <m:t>(</m:t>
                     </m:r>
                     <m:r>
-                      <a:rPr xmlns:a="http://schemas.openxmlformats.org/drawingml/2006/main" sz="1300" i="1">
+                      <a:rPr xmlns:a="http://schemas.openxmlformats.org/drawingml/2006/main" sz="1400" i="1">
                         <a:solidFill>
                           <a:srgbClr val="000000"/>
                         </a:solidFill>
@@ -10270,7 +11347,7 @@
                       <m:t>l</m:t>
                     </m:r>
                     <m:r>
-                      <a:rPr xmlns:a="http://schemas.openxmlformats.org/drawingml/2006/main" sz="1300" i="1">
+                      <a:rPr xmlns:a="http://schemas.openxmlformats.org/drawingml/2006/main" sz="1400" i="1">
                         <a:solidFill>
                           <a:srgbClr val="000000"/>
                         </a:solidFill>
@@ -10283,7 +11360,7 @@
                 <m:sSubSup>
                   <m:e>
                     <m:r>
-                      <a:rPr xmlns:a="http://schemas.openxmlformats.org/drawingml/2006/main" sz="1300" i="1">
+                      <a:rPr xmlns:a="http://schemas.openxmlformats.org/drawingml/2006/main" sz="1400" i="1">
                         <a:solidFill>
                           <a:srgbClr val="000000"/>
                         </a:solidFill>
@@ -10294,7 +11371,7 @@
                   </m:e>
                   <m:sub>
                     <m:r>
-                      <a:rPr xmlns:a="http://schemas.openxmlformats.org/drawingml/2006/main" sz="1300" i="1">
+                      <a:rPr xmlns:a="http://schemas.openxmlformats.org/drawingml/2006/main" sz="1400" i="1">
                         <a:solidFill>
                           <a:srgbClr val="000000"/>
                         </a:solidFill>
@@ -10305,7 +11382,7 @@
                   </m:sub>
                   <m:sup>
                     <m:r>
-                      <a:rPr xmlns:a="http://schemas.openxmlformats.org/drawingml/2006/main" sz="1300" i="1">
+                      <a:rPr xmlns:a="http://schemas.openxmlformats.org/drawingml/2006/main" sz="1400" i="1">
                         <a:solidFill>
                           <a:srgbClr val="000000"/>
                         </a:solidFill>
@@ -10314,7 +11391,7 @@
                       <m:t>(</m:t>
                     </m:r>
                     <m:r>
-                      <a:rPr xmlns:a="http://schemas.openxmlformats.org/drawingml/2006/main" sz="1300" i="1">
+                      <a:rPr xmlns:a="http://schemas.openxmlformats.org/drawingml/2006/main" sz="1400" i="1">
                         <a:solidFill>
                           <a:srgbClr val="000000"/>
                         </a:solidFill>
@@ -10323,7 +11400,7 @@
                       <m:t>l</m:t>
                     </m:r>
                     <m:r>
-                      <a:rPr xmlns:a="http://schemas.openxmlformats.org/drawingml/2006/main" sz="1300" i="1">
+                      <a:rPr xmlns:a="http://schemas.openxmlformats.org/drawingml/2006/main" sz="1400" i="1">
                         <a:solidFill>
                           <a:srgbClr val="000000"/>
                         </a:solidFill>
@@ -10332,7 +11409,7 @@
                       <m:t>-</m:t>
                     </m:r>
                     <m:r>
-                      <a:rPr xmlns:a="http://schemas.openxmlformats.org/drawingml/2006/main" sz="1300" i="1">
+                      <a:rPr xmlns:a="http://schemas.openxmlformats.org/drawingml/2006/main" sz="1400" i="1">
                         <a:solidFill>
                           <a:srgbClr val="000000"/>
                         </a:solidFill>
@@ -10341,7 +11418,7 @@
                       <m:t>1</m:t>
                     </m:r>
                     <m:r>
-                      <a:rPr xmlns:a="http://schemas.openxmlformats.org/drawingml/2006/main" sz="1300" i="1">
+                      <a:rPr xmlns:a="http://schemas.openxmlformats.org/drawingml/2006/main" sz="1400" i="1">
                         <a:solidFill>
                           <a:srgbClr val="000000"/>
                         </a:solidFill>
@@ -10352,7 +11429,7 @@
                   </m:sup>
                 </m:sSubSup>
                 <m:r>
-                  <a:rPr xmlns:a="http://schemas.openxmlformats.org/drawingml/2006/main" sz="1300" i="1">
+                  <a:rPr xmlns:a="http://schemas.openxmlformats.org/drawingml/2006/main" sz="1400" i="1">
                     <a:solidFill>
                       <a:srgbClr val="000000"/>
                     </a:solidFill>
@@ -10363,7 +11440,7 @@
                 <m:sSubSup>
                   <m:e>
                     <m:r>
-                      <a:rPr xmlns:a="http://schemas.openxmlformats.org/drawingml/2006/main" sz="1300" i="1">
+                      <a:rPr xmlns:a="http://schemas.openxmlformats.org/drawingml/2006/main" sz="1400" i="1">
                         <a:solidFill>
                           <a:srgbClr val="000000"/>
                         </a:solidFill>
@@ -10374,7 +11451,7 @@
                   </m:e>
                   <m:sub>
                     <m:r>
-                      <a:rPr xmlns:a="http://schemas.openxmlformats.org/drawingml/2006/main" sz="1300" i="1">
+                      <a:rPr xmlns:a="http://schemas.openxmlformats.org/drawingml/2006/main" sz="1400" i="1">
                         <a:solidFill>
                           <a:srgbClr val="000000"/>
                         </a:solidFill>
@@ -10385,7 +11462,7 @@
                   </m:sub>
                   <m:sup>
                     <m:r>
-                      <a:rPr xmlns:a="http://schemas.openxmlformats.org/drawingml/2006/main" sz="1300" i="1">
+                      <a:rPr xmlns:a="http://schemas.openxmlformats.org/drawingml/2006/main" sz="1400" i="1">
                         <a:solidFill>
                           <a:srgbClr val="000000"/>
                         </a:solidFill>
@@ -10394,7 +11471,7 @@
                       <m:t>(</m:t>
                     </m:r>
                     <m:r>
-                      <a:rPr xmlns:a="http://schemas.openxmlformats.org/drawingml/2006/main" sz="1300" i="1">
+                      <a:rPr xmlns:a="http://schemas.openxmlformats.org/drawingml/2006/main" sz="1400" i="1">
                         <a:solidFill>
                           <a:srgbClr val="000000"/>
                         </a:solidFill>
@@ -10403,7 +11480,7 @@
                       <m:t>l</m:t>
                     </m:r>
                     <m:r>
-                      <a:rPr xmlns:a="http://schemas.openxmlformats.org/drawingml/2006/main" sz="1300" i="1">
+                      <a:rPr xmlns:a="http://schemas.openxmlformats.org/drawingml/2006/main" sz="1400" i="1">
                         <a:solidFill>
                           <a:srgbClr val="000000"/>
                         </a:solidFill>
@@ -10418,76 +11495,10 @@
           </a:p>
           <a:p>
             <a:pPr>
-              <a:defRPr sz="1100">
-                <a:latin typeface="Arial"/>
-                <a:ea typeface="Arial"/>
-                <a:cs typeface="Arial"/>
-                <a:sym typeface="Arial"/>
-              </a:defRPr>
-            </a:pPr>
-          </a:p>
-          <a:p>
-            <a:pPr>
-              <a:defRPr sz="1100">
-                <a:latin typeface="Arial"/>
-                <a:ea typeface="Arial"/>
-                <a:cs typeface="Arial"/>
-                <a:sym typeface="Arial"/>
-              </a:defRPr>
-            </a:pPr>
-            <a14:m>
-              <m:oMath>
-                <m:r>
-                  <a:rPr xmlns:a="http://schemas.openxmlformats.org/drawingml/2006/main" sz="1200" i="1">
-                    <a:solidFill>
-                      <a:srgbClr val="000000"/>
-                    </a:solidFill>
-                    <a:latin typeface="Cambria Math" panose="02040503050406030204" pitchFamily="18" charset="0"/>
-                  </a:rPr>
-                  <m:t>f</m:t>
-                </m:r>
-                <m:d>
-                  <m:dPr>
-                    <m:ctrlPr>
-                      <a:rPr xmlns:a="http://schemas.openxmlformats.org/drawingml/2006/main" sz="1200" i="1">
-                        <a:solidFill>
-                          <a:srgbClr val="000000"/>
-                        </a:solidFill>
-                        <a:latin typeface="Cambria Math" panose="02040503050406030204" pitchFamily="18" charset="0"/>
-                      </a:rPr>
-                    </m:ctrlPr>
-                  </m:dPr>
-                  <m:e>
-                    <m:r>
-                      <a:rPr xmlns:a="http://schemas.openxmlformats.org/drawingml/2006/main" sz="1200" i="1">
-                        <a:solidFill>
-                          <a:srgbClr val="000000"/>
-                        </a:solidFill>
-                        <a:latin typeface="Cambria Math" panose="02040503050406030204" pitchFamily="18" charset="0"/>
-                      </a:rPr>
-                      <m:t>⋅</m:t>
-                    </m:r>
-                  </m:e>
-                </m:d>
-              </m:oMath>
-            </a14:m>
-            <a:r>
-              <a:t> nichtlineare Aktivierungsfunktion</a:t>
-            </a:r>
-          </a:p>
-          <a:p>
-            <a:pPr>
-              <a:defRPr sz="1100">
-                <a:latin typeface="Arial"/>
-                <a:ea typeface="Arial"/>
-                <a:cs typeface="Arial"/>
-                <a:sym typeface="Arial"/>
-              </a:defRPr>
-            </a:pPr>
-          </a:p>
-          <a:p>
-            <a:pPr>
-              <a:defRPr sz="1100">
+              <a:spcBef>
+                <a:spcPts val="400"/>
+              </a:spcBef>
+              <a:defRPr sz="1200">
                 <a:latin typeface="Arial"/>
                 <a:ea typeface="Arial"/>
                 <a:cs typeface="Arial"/>
@@ -10502,7 +11513,7 @@
                       <m:rPr>
                         <m:sty m:val="p"/>
                       </m:rPr>
-                      <a:rPr xmlns:a="http://schemas.openxmlformats.org/drawingml/2006/main" sz="1350" i="1">
+                      <a:rPr xmlns:a="http://schemas.openxmlformats.org/drawingml/2006/main" sz="1500" i="1">
                         <a:solidFill>
                           <a:srgbClr val="000000"/>
                         </a:solidFill>
@@ -10513,7 +11524,7 @@
                   </m:e>
                   <m:sub>
                     <m:r>
-                      <a:rPr xmlns:a="http://schemas.openxmlformats.org/drawingml/2006/main" sz="1350" i="1">
+                      <a:rPr xmlns:a="http://schemas.openxmlformats.org/drawingml/2006/main" sz="1500" i="1">
                         <a:solidFill>
                           <a:srgbClr val="000000"/>
                         </a:solidFill>
@@ -10524,7 +11535,7 @@
                   </m:sub>
                   <m:sup>
                     <m:r>
-                      <a:rPr xmlns:a="http://schemas.openxmlformats.org/drawingml/2006/main" sz="1350" i="1">
+                      <a:rPr xmlns:a="http://schemas.openxmlformats.org/drawingml/2006/main" sz="1500" i="1">
                         <a:solidFill>
                           <a:srgbClr val="000000"/>
                         </a:solidFill>
@@ -10533,7 +11544,7 @@
                       <m:t>(</m:t>
                     </m:r>
                     <m:r>
-                      <a:rPr xmlns:a="http://schemas.openxmlformats.org/drawingml/2006/main" sz="1350" i="1">
+                      <a:rPr xmlns:a="http://schemas.openxmlformats.org/drawingml/2006/main" sz="1500" i="1">
                         <a:solidFill>
                           <a:srgbClr val="000000"/>
                         </a:solidFill>
@@ -10542,7 +11553,7 @@
                       <m:t>l</m:t>
                     </m:r>
                     <m:r>
-                      <a:rPr xmlns:a="http://schemas.openxmlformats.org/drawingml/2006/main" sz="1350" i="1">
+                      <a:rPr xmlns:a="http://schemas.openxmlformats.org/drawingml/2006/main" sz="1500" i="1">
                         <a:solidFill>
                           <a:srgbClr val="000000"/>
                         </a:solidFill>
@@ -10555,12 +11566,28 @@
               </m:oMath>
             </a14:m>
             <a:r>
-              <a:t> Fehler des Neurons j der Layer </a:t>
+              <a:t> Fehler des Neurons </a:t>
             </a:r>
             <a14:m>
               <m:oMath>
                 <m:r>
-                  <a:rPr xmlns:a="http://schemas.openxmlformats.org/drawingml/2006/main" sz="1550" i="1">
+                  <a:rPr xmlns:a="http://schemas.openxmlformats.org/drawingml/2006/main" sz="1000" i="1">
+                    <a:solidFill>
+                      <a:srgbClr val="000000"/>
+                    </a:solidFill>
+                    <a:latin typeface="Cambria Math" panose="02040503050406030204" pitchFamily="18" charset="0"/>
+                  </a:rPr>
+                  <m:t>j</m:t>
+                </m:r>
+              </m:oMath>
+            </a14:m>
+            <a:r>
+              <a:t> der Layer </a:t>
+            </a:r>
+            <a14:m>
+              <m:oMath>
+                <m:r>
+                  <a:rPr xmlns:a="http://schemas.openxmlformats.org/drawingml/2006/main" sz="1650" i="1">
                     <a:solidFill>
                       <a:srgbClr val="000000"/>
                     </a:solidFill>
@@ -10578,7 +11605,7 @@
                 <m:limUpp>
                   <m:e>
                     <m:r>
-                      <a:rPr xmlns:a="http://schemas.openxmlformats.org/drawingml/2006/main" sz="1300" i="1">
+                      <a:rPr xmlns:a="http://schemas.openxmlformats.org/drawingml/2006/main" sz="1450" i="1">
                         <a:solidFill>
                           <a:srgbClr val="000000"/>
                         </a:solidFill>
@@ -10589,7 +11616,7 @@
                   </m:e>
                   <m:lim>
                     <m:r>
-                      <a:rPr xmlns:a="http://schemas.openxmlformats.org/drawingml/2006/main" sz="1300" i="1">
+                      <a:rPr xmlns:a="http://schemas.openxmlformats.org/drawingml/2006/main" sz="1450" i="1">
                         <a:solidFill>
                           <a:srgbClr val="000000"/>
                         </a:solidFill>
@@ -10602,14 +11629,30 @@
               </m:oMath>
             </a14:m>
             <a:r>
-              <a:t> Änderung der Kostenfunktion C bzgl. </a:t>
+              <a:t> Änderung der Kostenfunktion </a:t>
+            </a:r>
+            <a14:m>
+              <m:oMath>
+                <m:r>
+                  <a:rPr xmlns:a="http://schemas.openxmlformats.org/drawingml/2006/main" sz="1550" i="1">
+                    <a:solidFill>
+                      <a:srgbClr val="000000"/>
+                    </a:solidFill>
+                    <a:latin typeface="Cambria Math" panose="02040503050406030204" pitchFamily="18" charset="0"/>
+                  </a:rPr>
+                  <m:t>C</m:t>
+                </m:r>
+              </m:oMath>
+            </a14:m>
+            <a:r>
+              <a:t> bzgl. </a:t>
             </a:r>
             <a14:m>
               <m:oMath>
                 <m:sSubSup>
                   <m:e>
                     <m:r>
-                      <a:rPr xmlns:a="http://schemas.openxmlformats.org/drawingml/2006/main" sz="1300" i="1">
+                      <a:rPr xmlns:a="http://schemas.openxmlformats.org/drawingml/2006/main" sz="1450" i="1">
                         <a:solidFill>
                           <a:srgbClr val="000000"/>
                         </a:solidFill>
@@ -10620,7 +11663,7 @@
                   </m:e>
                   <m:sub>
                     <m:r>
-                      <a:rPr xmlns:a="http://schemas.openxmlformats.org/drawingml/2006/main" sz="1300" i="1">
+                      <a:rPr xmlns:a="http://schemas.openxmlformats.org/drawingml/2006/main" sz="1450" i="1">
                         <a:solidFill>
                           <a:srgbClr val="000000"/>
                         </a:solidFill>
@@ -10631,7 +11674,7 @@
                   </m:sub>
                   <m:sup>
                     <m:r>
-                      <a:rPr xmlns:a="http://schemas.openxmlformats.org/drawingml/2006/main" sz="1300" i="1">
+                      <a:rPr xmlns:a="http://schemas.openxmlformats.org/drawingml/2006/main" sz="1450" i="1">
                         <a:solidFill>
                           <a:srgbClr val="000000"/>
                         </a:solidFill>
@@ -10640,7 +11683,7 @@
                       <m:t>(</m:t>
                     </m:r>
                     <m:r>
-                      <a:rPr xmlns:a="http://schemas.openxmlformats.org/drawingml/2006/main" sz="1300" i="1">
+                      <a:rPr xmlns:a="http://schemas.openxmlformats.org/drawingml/2006/main" sz="1450" i="1">
                         <a:solidFill>
                           <a:srgbClr val="000000"/>
                         </a:solidFill>
@@ -10649,7 +11692,7 @@
                       <m:t>l</m:t>
                     </m:r>
                     <m:r>
-                      <a:rPr xmlns:a="http://schemas.openxmlformats.org/drawingml/2006/main" sz="1300" i="1">
+                      <a:rPr xmlns:a="http://schemas.openxmlformats.org/drawingml/2006/main" sz="1450" i="1">
                         <a:solidFill>
                           <a:srgbClr val="000000"/>
                         </a:solidFill>
@@ -10662,11 +11705,119 @@
               </m:oMath>
             </a14:m>
           </a:p>
+          <a:p>
+            <a:pPr>
+              <a:spcBef>
+                <a:spcPts val="400"/>
+              </a:spcBef>
+              <a:defRPr sz="1200">
+                <a:latin typeface="Arial"/>
+                <a:ea typeface="Arial"/>
+                <a:cs typeface="Arial"/>
+                <a:sym typeface="Arial"/>
+              </a:defRPr>
+            </a:pPr>
+            <a14:m>
+              <m:oMath>
+                <m:r>
+                  <a:rPr xmlns:a="http://schemas.openxmlformats.org/drawingml/2006/main" sz="1350" i="1">
+                    <a:solidFill>
+                      <a:srgbClr val="000000"/>
+                    </a:solidFill>
+                    <a:latin typeface="Cambria Math" panose="02040503050406030204" pitchFamily="18" charset="0"/>
+                  </a:rPr>
+                  <m:t>f</m:t>
+                </m:r>
+                <m:d>
+                  <m:dPr>
+                    <m:ctrlPr>
+                      <a:rPr xmlns:a="http://schemas.openxmlformats.org/drawingml/2006/main" sz="1350" i="1">
+                        <a:solidFill>
+                          <a:srgbClr val="000000"/>
+                        </a:solidFill>
+                        <a:latin typeface="Cambria Math" panose="02040503050406030204" pitchFamily="18" charset="0"/>
+                      </a:rPr>
+                    </m:ctrlPr>
+                  </m:dPr>
+                  <m:e>
+                    <m:r>
+                      <a:rPr xmlns:a="http://schemas.openxmlformats.org/drawingml/2006/main" sz="1350" i="1">
+                        <a:solidFill>
+                          <a:srgbClr val="000000"/>
+                        </a:solidFill>
+                        <a:latin typeface="Cambria Math" panose="02040503050406030204" pitchFamily="18" charset="0"/>
+                      </a:rPr>
+                      <m:t>⋅</m:t>
+                    </m:r>
+                  </m:e>
+                </m:d>
+              </m:oMath>
+            </a14:m>
+            <a:r>
+              <a:t> nichtlineare Aktivierungsfunktion</a:t>
+            </a:r>
+          </a:p>
+          <a:p>
+            <a:pPr>
+              <a:spcBef>
+                <a:spcPts val="400"/>
+              </a:spcBef>
+              <a:defRPr sz="1200">
+                <a:latin typeface="Arial"/>
+                <a:ea typeface="Arial"/>
+                <a:cs typeface="Arial"/>
+                <a:sym typeface="Arial"/>
+              </a:defRPr>
+            </a:pPr>
+            <a14:m>
+              <m:oMath>
+                <m:r>
+                  <a:rPr xmlns:a="http://schemas.openxmlformats.org/drawingml/2006/main" sz="1450" i="1">
+                    <a:solidFill>
+                      <a:srgbClr val="000000"/>
+                    </a:solidFill>
+                    <a:latin typeface="Cambria Math" panose="02040503050406030204" pitchFamily="18" charset="0"/>
+                  </a:rPr>
+                  <m:t>σ</m:t>
+                </m:r>
+                <m:r>
+                  <a:rPr xmlns:a="http://schemas.openxmlformats.org/drawingml/2006/main" sz="1450" i="1">
+                    <a:solidFill>
+                      <a:srgbClr val="000000"/>
+                    </a:solidFill>
+                    <a:latin typeface="Cambria Math" panose="02040503050406030204" pitchFamily="18" charset="0"/>
+                  </a:rPr>
+                  <m:t>(</m:t>
+                </m:r>
+                <m:r>
+                  <a:rPr xmlns:a="http://schemas.openxmlformats.org/drawingml/2006/main" sz="1450" i="1">
+                    <a:solidFill>
+                      <a:srgbClr val="000000"/>
+                    </a:solidFill>
+                    <a:latin typeface="Cambria Math" panose="02040503050406030204" pitchFamily="18" charset="0"/>
+                  </a:rPr>
+                  <m:t>⋅</m:t>
+                </m:r>
+                <m:r>
+                  <a:rPr xmlns:a="http://schemas.openxmlformats.org/drawingml/2006/main" sz="1450" i="1">
+                    <a:solidFill>
+                      <a:srgbClr val="000000"/>
+                    </a:solidFill>
+                    <a:latin typeface="Cambria Math" panose="02040503050406030204" pitchFamily="18" charset="0"/>
+                  </a:rPr>
+                  <m:t>)</m:t>
+                </m:r>
+              </m:oMath>
+            </a14:m>
+            <a:r>
+              <a:t> (softmax) Aktivierungsfunktion der Neuronen der Output-Layer</a:t>
+            </a:r>
+          </a:p>
         </p:txBody>
       </p:sp>
       <p:pic>
         <p:nvPicPr>
-          <p:cNvPr id="183" name="BackpropagationAlgorithmus4.png" descr="BackpropagationAlgorithmus4.png"/>
+          <p:cNvPr id="187" name="BackpropagationAlgorithmus4.png" descr="BackpropagationAlgorithmus4.png"/>
           <p:cNvPicPr>
             <a:picLocks noChangeAspect="1"/>
           </p:cNvPicPr>
@@ -10722,7 +11873,7 @@
       </p:grpSpPr>
       <p:sp>
         <p:nvSpPr>
-          <p:cNvPr id="185" name="Zum Bearbeiten doppelklicken"/>
+          <p:cNvPr id="189" name="Zum Bearbeiten doppelklicken"/>
           <p:cNvSpPr txBox="1"/>
           <p:nvPr>
             <p:ph type="title"/>
@@ -10743,7 +11894,7 @@
       </p:sp>
       <p:sp>
         <p:nvSpPr>
-          <p:cNvPr id="186" name="Textmasterformate durch Klicken bearbeiten"/>
+          <p:cNvPr id="190" name="Textmasterformate durch Klicken bearbeiten"/>
           <p:cNvSpPr txBox="1"/>
           <p:nvPr>
             <p:ph type="body" idx="1"/>
@@ -10762,36 +11913,6 @@
           </a:p>
         </p:txBody>
       </p:sp>
-      <p:pic>
-        <p:nvPicPr>
-          <p:cNvPr id="187" name="BackpropagationAlgoritmus.png" descr="BackpropagationAlgoritmus.png"/>
-          <p:cNvPicPr>
-            <a:picLocks noChangeAspect="1"/>
-          </p:cNvPicPr>
-          <p:nvPr/>
-        </p:nvPicPr>
-        <p:blipFill>
-          <a:blip r:embed="rId2">
-            <a:extLst/>
-          </a:blip>
-          <a:srcRect l="0" t="5514" r="5866" b="5401"/>
-          <a:stretch>
-            <a:fillRect/>
-          </a:stretch>
-        </p:blipFill>
-        <p:spPr>
-          <a:xfrm>
-            <a:off x="131244" y="4100400"/>
-            <a:ext cx="8183190" cy="2007413"/>
-          </a:xfrm>
-          <a:prstGeom prst="rect">
-            <a:avLst/>
-          </a:prstGeom>
-          <a:ln w="12700">
-            <a:miter lim="400000"/>
-          </a:ln>
-        </p:spPr>
-      </p:pic>
     </p:spTree>
   </p:cSld>
   <p:clrMapOvr>
